--- a/Web Application Technologies and Django/C1-Week4.pptx
+++ b/Web Application Technologies and Django/C1-Week4.pptx
@@ -185,7 +185,7 @@
   </p:defaultTextStyle>
   <p:extLst>
     <p:ext uri="{EFAFB233-063F-42B5-8137-9DF3F51BA10A}">
-      <p15:sldGuideLst xmlns:p15="http://schemas.microsoft.com/office/powerpoint/2012/main">
+      <p15:sldGuideLst xmlns:p15="http://schemas.microsoft.com/office/powerpoint/2012/main" xmlns="">
         <p15:guide id="1" orient="horz" pos="1620">
           <p15:clr>
             <a:srgbClr val="A4A3A4"/>
@@ -199,7 +199,7 @@
       </p15:sldGuideLst>
     </p:ext>
     <p:ext uri="{2D200454-40CA-4A62-9FC3-DE9A4176ACB9}">
-      <p15:notesGuideLst xmlns:p15="http://schemas.microsoft.com/office/powerpoint/2012/main"/>
+      <p15:notesGuideLst xmlns:p15="http://schemas.microsoft.com/office/powerpoint/2012/main" xmlns=""/>
     </p:ext>
   </p:extLst>
 </p:presentation>
@@ -235,7 +235,7 @@
           <p:cNvPr id="2" name="Header Placeholder 1">
             <a:extLst>
               <a:ext uri="{FF2B5EF4-FFF2-40B4-BE49-F238E27FC236}">
-                <a16:creationId xmlns:a16="http://schemas.microsoft.com/office/drawing/2014/main" id="{45FB2CB6-9793-6747-88EA-CD1B337513A9}"/>
+                <a16:creationId xmlns:a16="http://schemas.microsoft.com/office/drawing/2014/main" xmlns="" id="{45FB2CB6-9793-6747-88EA-CD1B337513A9}"/>
               </a:ext>
             </a:extLst>
           </p:cNvPr>
@@ -284,7 +284,7 @@
           <p:cNvPr id="3" name="Date Placeholder 2">
             <a:extLst>
               <a:ext uri="{FF2B5EF4-FFF2-40B4-BE49-F238E27FC236}">
-                <a16:creationId xmlns:a16="http://schemas.microsoft.com/office/drawing/2014/main" id="{A685FF56-B4AE-634E-83AD-CE100DE01130}"/>
+                <a16:creationId xmlns:a16="http://schemas.microsoft.com/office/drawing/2014/main" xmlns="" id="{A685FF56-B4AE-634E-83AD-CE100DE01130}"/>
               </a:ext>
             </a:extLst>
           </p:cNvPr>
@@ -328,7 +328,7 @@
               <a:pPr>
                 <a:defRPr/>
               </a:pPr>
-              <a:t>7/9/20</a:t>
+              <a:t>9/6/2020</a:t>
             </a:fld>
             <a:endParaRPr lang="en-US" altLang="x-none"/>
           </a:p>
@@ -339,7 +339,7 @@
           <p:cNvPr id="4" name="Footer Placeholder 3">
             <a:extLst>
               <a:ext uri="{FF2B5EF4-FFF2-40B4-BE49-F238E27FC236}">
-                <a16:creationId xmlns:a16="http://schemas.microsoft.com/office/drawing/2014/main" id="{392B2F4C-7FA0-CE47-82D5-72778D314C00}"/>
+                <a16:creationId xmlns:a16="http://schemas.microsoft.com/office/drawing/2014/main" xmlns="" id="{392B2F4C-7FA0-CE47-82D5-72778D314C00}"/>
               </a:ext>
             </a:extLst>
           </p:cNvPr>
@@ -388,7 +388,7 @@
           <p:cNvPr id="5" name="Slide Number Placeholder 4">
             <a:extLst>
               <a:ext uri="{FF2B5EF4-FFF2-40B4-BE49-F238E27FC236}">
-                <a16:creationId xmlns:a16="http://schemas.microsoft.com/office/drawing/2014/main" id="{D4E2CB5B-FA2B-AD41-B0BC-55ADE3690AD3}"/>
+                <a16:creationId xmlns:a16="http://schemas.microsoft.com/office/drawing/2014/main" xmlns="" id="{D4E2CB5B-FA2B-AD41-B0BC-55ADE3690AD3}"/>
               </a:ext>
             </a:extLst>
           </p:cNvPr>
@@ -437,7 +437,7 @@
     </p:spTree>
     <p:extLst>
       <p:ext uri="{BB962C8B-B14F-4D97-AF65-F5344CB8AC3E}">
-        <p14:creationId xmlns:p14="http://schemas.microsoft.com/office/powerpoint/2010/main" val="1"/>
+        <p14:creationId xmlns:p14="http://schemas.microsoft.com/office/powerpoint/2010/main" xmlns="" val="1"/>
       </p:ext>
     </p:extLst>
   </p:cSld>
@@ -475,7 +475,7 @@
           <p:cNvPr id="3074" name="Rectangle 1">
             <a:extLst>
               <a:ext uri="{FF2B5EF4-FFF2-40B4-BE49-F238E27FC236}">
-                <a16:creationId xmlns:a16="http://schemas.microsoft.com/office/drawing/2014/main" id="{698A89A3-9126-9144-BCF6-AC4166BA20DC}"/>
+                <a16:creationId xmlns:a16="http://schemas.microsoft.com/office/drawing/2014/main" xmlns="" id="{698A89A3-9126-9144-BCF6-AC4166BA20DC}"/>
               </a:ext>
             </a:extLst>
           </p:cNvPr>
@@ -505,7 +505,7 @@
           </a:ln>
           <a:extLst>
             <a:ext uri="{909E8E84-426E-40DD-AFC4-6F175D3DCCD1}">
-              <a14:hiddenFill xmlns:a14="http://schemas.microsoft.com/office/drawing/2010/main">
+              <a14:hiddenFill xmlns:a14="http://schemas.microsoft.com/office/drawing/2010/main" xmlns="">
                 <a:solidFill>
                   <a:srgbClr val="FFFFFF"/>
                 </a:solidFill>
@@ -519,7 +519,7 @@
           <p:cNvPr id="23554" name="Rectangle 2">
             <a:extLst>
               <a:ext uri="{FF2B5EF4-FFF2-40B4-BE49-F238E27FC236}">
-                <a16:creationId xmlns:a16="http://schemas.microsoft.com/office/drawing/2014/main" id="{973D1463-AF87-A442-8C54-689B5C308CD7}"/>
+                <a16:creationId xmlns:a16="http://schemas.microsoft.com/office/drawing/2014/main" xmlns="" id="{973D1463-AF87-A442-8C54-689B5C308CD7}"/>
               </a:ext>
             </a:extLst>
           </p:cNvPr>
@@ -889,7 +889,7 @@
     </p:spTree>
     <p:extLst>
       <p:ext uri="{BB962C8B-B14F-4D97-AF65-F5344CB8AC3E}">
-        <p14:creationId xmlns:p14="http://schemas.microsoft.com/office/powerpoint/2010/main" val="1366513222"/>
+        <p14:creationId xmlns:p14="http://schemas.microsoft.com/office/powerpoint/2010/main" xmlns="" val="1366513222"/>
       </p:ext>
     </p:extLst>
   </p:cSld>
@@ -950,7 +950,7 @@
     </p:spTree>
     <p:extLst>
       <p:ext uri="{BB962C8B-B14F-4D97-AF65-F5344CB8AC3E}">
-        <p14:creationId xmlns:p14="http://schemas.microsoft.com/office/powerpoint/2010/main" val="3795311911"/>
+        <p14:creationId xmlns:p14="http://schemas.microsoft.com/office/powerpoint/2010/main" xmlns="" val="3795311911"/>
       </p:ext>
     </p:extLst>
   </p:cSld>
@@ -1011,7 +1011,7 @@
     </p:spTree>
     <p:extLst>
       <p:ext uri="{BB962C8B-B14F-4D97-AF65-F5344CB8AC3E}">
-        <p14:creationId xmlns:p14="http://schemas.microsoft.com/office/powerpoint/2010/main" val="2104430192"/>
+        <p14:creationId xmlns:p14="http://schemas.microsoft.com/office/powerpoint/2010/main" xmlns="" val="2104430192"/>
       </p:ext>
     </p:extLst>
   </p:cSld>
@@ -1072,7 +1072,7 @@
     </p:spTree>
     <p:extLst>
       <p:ext uri="{BB962C8B-B14F-4D97-AF65-F5344CB8AC3E}">
-        <p14:creationId xmlns:p14="http://schemas.microsoft.com/office/powerpoint/2010/main" val="1005447417"/>
+        <p14:creationId xmlns:p14="http://schemas.microsoft.com/office/powerpoint/2010/main" xmlns="" val="1005447417"/>
       </p:ext>
     </p:extLst>
   </p:cSld>
@@ -1133,7 +1133,7 @@
     </p:spTree>
     <p:extLst>
       <p:ext uri="{BB962C8B-B14F-4D97-AF65-F5344CB8AC3E}">
-        <p14:creationId xmlns:p14="http://schemas.microsoft.com/office/powerpoint/2010/main" val="2883407293"/>
+        <p14:creationId xmlns:p14="http://schemas.microsoft.com/office/powerpoint/2010/main" xmlns="" val="2883407293"/>
       </p:ext>
     </p:extLst>
   </p:cSld>
@@ -1194,7 +1194,7 @@
     </p:spTree>
     <p:extLst>
       <p:ext uri="{BB962C8B-B14F-4D97-AF65-F5344CB8AC3E}">
-        <p14:creationId xmlns:p14="http://schemas.microsoft.com/office/powerpoint/2010/main" val="1977788318"/>
+        <p14:creationId xmlns:p14="http://schemas.microsoft.com/office/powerpoint/2010/main" xmlns="" val="1977788318"/>
       </p:ext>
     </p:extLst>
   </p:cSld>
@@ -1255,7 +1255,7 @@
     </p:spTree>
     <p:extLst>
       <p:ext uri="{BB962C8B-B14F-4D97-AF65-F5344CB8AC3E}">
-        <p14:creationId xmlns:p14="http://schemas.microsoft.com/office/powerpoint/2010/main" val="994105375"/>
+        <p14:creationId xmlns:p14="http://schemas.microsoft.com/office/powerpoint/2010/main" xmlns="" val="994105375"/>
       </p:ext>
     </p:extLst>
   </p:cSld>
@@ -1316,7 +1316,7 @@
     </p:spTree>
     <p:extLst>
       <p:ext uri="{BB962C8B-B14F-4D97-AF65-F5344CB8AC3E}">
-        <p14:creationId xmlns:p14="http://schemas.microsoft.com/office/powerpoint/2010/main" val="1861027282"/>
+        <p14:creationId xmlns:p14="http://schemas.microsoft.com/office/powerpoint/2010/main" xmlns="" val="1861027282"/>
       </p:ext>
     </p:extLst>
   </p:cSld>
@@ -1377,7 +1377,7 @@
     </p:spTree>
     <p:extLst>
       <p:ext uri="{BB962C8B-B14F-4D97-AF65-F5344CB8AC3E}">
-        <p14:creationId xmlns:p14="http://schemas.microsoft.com/office/powerpoint/2010/main" val="244355053"/>
+        <p14:creationId xmlns:p14="http://schemas.microsoft.com/office/powerpoint/2010/main" xmlns="" val="244355053"/>
       </p:ext>
     </p:extLst>
   </p:cSld>
@@ -1409,7 +1409,7 @@
           <p:cNvPr id="43009" name="Slide Image Placeholder 1">
             <a:extLst>
               <a:ext uri="{FF2B5EF4-FFF2-40B4-BE49-F238E27FC236}">
-                <a16:creationId xmlns:a16="http://schemas.microsoft.com/office/drawing/2014/main" id="{9EE1F552-9331-D147-9F83-1794E4BD29D2}"/>
+                <a16:creationId xmlns:a16="http://schemas.microsoft.com/office/drawing/2014/main" xmlns="" id="{9EE1F552-9331-D147-9F83-1794E4BD29D2}"/>
               </a:ext>
             </a:extLst>
           </p:cNvPr>
@@ -1429,7 +1429,7 @@
           <p:cNvPr id="3" name="Notes Placeholder 2">
             <a:extLst>
               <a:ext uri="{FF2B5EF4-FFF2-40B4-BE49-F238E27FC236}">
-                <a16:creationId xmlns:a16="http://schemas.microsoft.com/office/drawing/2014/main" id="{76B94AE3-AB4B-3240-8528-FFF9EF067141}"/>
+                <a16:creationId xmlns:a16="http://schemas.microsoft.com/office/drawing/2014/main" xmlns="" id="{76B94AE3-AB4B-3240-8528-FFF9EF067141}"/>
               </a:ext>
             </a:extLst>
           </p:cNvPr>
@@ -1493,7 +1493,7 @@
           <p:cNvPr id="6145" name="Slide Image Placeholder 1">
             <a:extLst>
               <a:ext uri="{FF2B5EF4-FFF2-40B4-BE49-F238E27FC236}">
-                <a16:creationId xmlns:a16="http://schemas.microsoft.com/office/drawing/2014/main" id="{3F0A42EF-CF62-4B49-87F4-14DA5E9E7C2C}"/>
+                <a16:creationId xmlns:a16="http://schemas.microsoft.com/office/drawing/2014/main" xmlns="" id="{3F0A42EF-CF62-4B49-87F4-14DA5E9E7C2C}"/>
               </a:ext>
             </a:extLst>
           </p:cNvPr>
@@ -1513,7 +1513,7 @@
           <p:cNvPr id="3" name="Notes Placeholder 2">
             <a:extLst>
               <a:ext uri="{FF2B5EF4-FFF2-40B4-BE49-F238E27FC236}">
-                <a16:creationId xmlns:a16="http://schemas.microsoft.com/office/drawing/2014/main" id="{39354364-57E1-F548-998C-A956D697BE87}"/>
+                <a16:creationId xmlns:a16="http://schemas.microsoft.com/office/drawing/2014/main" xmlns="" id="{39354364-57E1-F548-998C-A956D697BE87}"/>
               </a:ext>
             </a:extLst>
           </p:cNvPr>
@@ -1603,6 +1603,22 @@
               </a:spcAft>
               <a:buNone/>
             </a:pPr>
+            <a:r>
+              <a:rPr lang="en-IN" dirty="0" smtClean="0"/>
+              <a:t>RRC request </a:t>
+            </a:r>
+            <a:r>
+              <a:rPr lang="en-IN" smtClean="0"/>
+              <a:t>response</a:t>
+            </a:r>
+            <a:r>
+              <a:rPr lang="en-IN" baseline="0" smtClean="0"/>
+              <a:t> cycle</a:t>
+            </a:r>
+            <a:r>
+              <a:rPr lang="en-IN" smtClean="0"/>
+              <a:t> </a:t>
+            </a:r>
             <a:endParaRPr/>
           </a:p>
         </p:txBody>
@@ -1651,7 +1667,7 @@
     </p:spTree>
     <p:extLst>
       <p:ext uri="{BB962C8B-B14F-4D97-AF65-F5344CB8AC3E}">
-        <p14:creationId xmlns:p14="http://schemas.microsoft.com/office/powerpoint/2010/main" val="306921448"/>
+        <p14:creationId xmlns:p14="http://schemas.microsoft.com/office/powerpoint/2010/main" xmlns="" val="306921448"/>
       </p:ext>
     </p:extLst>
   </p:cSld>
@@ -1760,7 +1776,7 @@
     </p:spTree>
     <p:extLst>
       <p:ext uri="{BB962C8B-B14F-4D97-AF65-F5344CB8AC3E}">
-        <p14:creationId xmlns:p14="http://schemas.microsoft.com/office/powerpoint/2010/main" val="540795250"/>
+        <p14:creationId xmlns:p14="http://schemas.microsoft.com/office/powerpoint/2010/main" xmlns="" val="540795250"/>
       </p:ext>
     </p:extLst>
   </p:cSld>
@@ -1821,7 +1837,7 @@
     </p:spTree>
     <p:extLst>
       <p:ext uri="{BB962C8B-B14F-4D97-AF65-F5344CB8AC3E}">
-        <p14:creationId xmlns:p14="http://schemas.microsoft.com/office/powerpoint/2010/main" val="949977498"/>
+        <p14:creationId xmlns:p14="http://schemas.microsoft.com/office/powerpoint/2010/main" xmlns="" val="949977498"/>
       </p:ext>
     </p:extLst>
   </p:cSld>
@@ -1882,7 +1898,7 @@
     </p:spTree>
     <p:extLst>
       <p:ext uri="{BB962C8B-B14F-4D97-AF65-F5344CB8AC3E}">
-        <p14:creationId xmlns:p14="http://schemas.microsoft.com/office/powerpoint/2010/main" val="963936804"/>
+        <p14:creationId xmlns:p14="http://schemas.microsoft.com/office/powerpoint/2010/main" xmlns="" val="963936804"/>
       </p:ext>
     </p:extLst>
   </p:cSld>
@@ -1943,7 +1959,7 @@
     </p:spTree>
     <p:extLst>
       <p:ext uri="{BB962C8B-B14F-4D97-AF65-F5344CB8AC3E}">
-        <p14:creationId xmlns:p14="http://schemas.microsoft.com/office/powerpoint/2010/main" val="1475114578"/>
+        <p14:creationId xmlns:p14="http://schemas.microsoft.com/office/powerpoint/2010/main" xmlns="" val="1475114578"/>
       </p:ext>
     </p:extLst>
   </p:cSld>
@@ -1975,7 +1991,7 @@
           <p:cNvPr id="19457" name="Slide Image Placeholder 1">
             <a:extLst>
               <a:ext uri="{FF2B5EF4-FFF2-40B4-BE49-F238E27FC236}">
-                <a16:creationId xmlns:a16="http://schemas.microsoft.com/office/drawing/2014/main" id="{4C5CEAF8-A629-1449-AD46-608B3BA5F54A}"/>
+                <a16:creationId xmlns:a16="http://schemas.microsoft.com/office/drawing/2014/main" xmlns="" id="{4C5CEAF8-A629-1449-AD46-608B3BA5F54A}"/>
               </a:ext>
             </a:extLst>
           </p:cNvPr>
@@ -1995,7 +2011,7 @@
           <p:cNvPr id="19458" name="Notes Placeholder 2">
             <a:extLst>
               <a:ext uri="{FF2B5EF4-FFF2-40B4-BE49-F238E27FC236}">
-                <a16:creationId xmlns:a16="http://schemas.microsoft.com/office/drawing/2014/main" id="{177FBAD8-BD2C-FD4C-9634-7AB56FD67FEB}"/>
+                <a16:creationId xmlns:a16="http://schemas.microsoft.com/office/drawing/2014/main" xmlns="" id="{177FBAD8-BD2C-FD4C-9634-7AB56FD67FEB}"/>
               </a:ext>
             </a:extLst>
           </p:cNvPr>
@@ -2010,14 +2026,14 @@
           <a:noFill/>
           <a:extLst>
             <a:ext uri="{909E8E84-426E-40DD-AFC4-6F175D3DCCD1}">
-              <a14:hiddenFill xmlns:a14="http://schemas.microsoft.com/office/drawing/2010/main">
+              <a14:hiddenFill xmlns:a14="http://schemas.microsoft.com/office/drawing/2010/main" xmlns="">
                 <a:solidFill>
                   <a:srgbClr val="FFFFFF"/>
                 </a:solidFill>
               </a14:hiddenFill>
             </a:ext>
             <a:ext uri="{91240B29-F687-4F45-9708-019B960494DF}">
-              <a14:hiddenLine xmlns:a14="http://schemas.microsoft.com/office/drawing/2010/main" w="9525">
+              <a14:hiddenLine xmlns:a14="http://schemas.microsoft.com/office/drawing/2010/main" xmlns="" w="9525">
                 <a:solidFill>
                   <a:srgbClr val="000000"/>
                 </a:solidFill>
@@ -2098,7 +2114,7 @@
     </p:spTree>
     <p:extLst>
       <p:ext uri="{BB962C8B-B14F-4D97-AF65-F5344CB8AC3E}">
-        <p14:creationId xmlns:p14="http://schemas.microsoft.com/office/powerpoint/2010/main" val="2717442675"/>
+        <p14:creationId xmlns:p14="http://schemas.microsoft.com/office/powerpoint/2010/main" xmlns="" val="2717442675"/>
       </p:ext>
     </p:extLst>
   </p:cSld>
@@ -2238,7 +2254,8 @@
           <a:p>
             <a:fld id="{EEE7C04C-7AF8-1445-A186-502B631B934F}" type="datetimeFigureOut">
               <a:rPr lang="en-US" smtClean="0"/>
-              <a:t>7/9/20</a:t>
+              <a:pPr/>
+              <a:t>9/6/2020</a:t>
             </a:fld>
             <a:endParaRPr lang="en-US"/>
           </a:p>
@@ -2280,6 +2297,7 @@
           <a:p>
             <a:fld id="{DDF6F330-C845-6B40-9965-8A0C96ACE82B}" type="slidenum">
               <a:rPr lang="en-US" smtClean="0"/>
+              <a:pPr/>
               <a:t>‹#›</a:t>
             </a:fld>
             <a:endParaRPr lang="en-US"/>
@@ -2289,7 +2307,7 @@
     </p:spTree>
     <p:extLst>
       <p:ext uri="{BB962C8B-B14F-4D97-AF65-F5344CB8AC3E}">
-        <p14:creationId xmlns:p14="http://schemas.microsoft.com/office/powerpoint/2010/main" val="2684166682"/>
+        <p14:creationId xmlns:p14="http://schemas.microsoft.com/office/powerpoint/2010/main" xmlns="" val="2684166682"/>
       </p:ext>
     </p:extLst>
   </p:cSld>
@@ -2408,7 +2426,8 @@
           <a:p>
             <a:fld id="{EEE7C04C-7AF8-1445-A186-502B631B934F}" type="datetimeFigureOut">
               <a:rPr lang="en-US" smtClean="0"/>
-              <a:t>7/9/20</a:t>
+              <a:pPr/>
+              <a:t>9/6/2020</a:t>
             </a:fld>
             <a:endParaRPr lang="en-US"/>
           </a:p>
@@ -2450,6 +2469,7 @@
           <a:p>
             <a:fld id="{DDF6F330-C845-6B40-9965-8A0C96ACE82B}" type="slidenum">
               <a:rPr lang="en-US" smtClean="0"/>
+              <a:pPr/>
               <a:t>‹#›</a:t>
             </a:fld>
             <a:endParaRPr lang="en-US"/>
@@ -2459,7 +2479,7 @@
     </p:spTree>
     <p:extLst>
       <p:ext uri="{BB962C8B-B14F-4D97-AF65-F5344CB8AC3E}">
-        <p14:creationId xmlns:p14="http://schemas.microsoft.com/office/powerpoint/2010/main" val="1095584720"/>
+        <p14:creationId xmlns:p14="http://schemas.microsoft.com/office/powerpoint/2010/main" xmlns="" val="1095584720"/>
       </p:ext>
     </p:extLst>
   </p:cSld>
@@ -2588,7 +2608,8 @@
           <a:p>
             <a:fld id="{EEE7C04C-7AF8-1445-A186-502B631B934F}" type="datetimeFigureOut">
               <a:rPr lang="en-US" smtClean="0"/>
-              <a:t>7/9/20</a:t>
+              <a:pPr/>
+              <a:t>9/6/2020</a:t>
             </a:fld>
             <a:endParaRPr lang="en-US"/>
           </a:p>
@@ -2630,6 +2651,7 @@
           <a:p>
             <a:fld id="{DDF6F330-C845-6B40-9965-8A0C96ACE82B}" type="slidenum">
               <a:rPr lang="en-US" smtClean="0"/>
+              <a:pPr/>
               <a:t>‹#›</a:t>
             </a:fld>
             <a:endParaRPr lang="en-US"/>
@@ -2639,7 +2661,7 @@
     </p:spTree>
     <p:extLst>
       <p:ext uri="{BB962C8B-B14F-4D97-AF65-F5344CB8AC3E}">
-        <p14:creationId xmlns:p14="http://schemas.microsoft.com/office/powerpoint/2010/main" val="753734966"/>
+        <p14:creationId xmlns:p14="http://schemas.microsoft.com/office/powerpoint/2010/main" xmlns="" val="753734966"/>
       </p:ext>
     </p:extLst>
   </p:cSld>
@@ -2802,7 +2824,7 @@
     </p:spTree>
     <p:extLst>
       <p:ext uri="{BB962C8B-B14F-4D97-AF65-F5344CB8AC3E}">
-        <p14:creationId xmlns:p14="http://schemas.microsoft.com/office/powerpoint/2010/main" val="684845401"/>
+        <p14:creationId xmlns:p14="http://schemas.microsoft.com/office/powerpoint/2010/main" xmlns="" val="684845401"/>
       </p:ext>
     </p:extLst>
   </p:cSld>
@@ -2854,7 +2876,7 @@
     </p:spTree>
     <p:extLst>
       <p:ext uri="{BB962C8B-B14F-4D97-AF65-F5344CB8AC3E}">
-        <p14:creationId xmlns:p14="http://schemas.microsoft.com/office/powerpoint/2010/main" val="23863786"/>
+        <p14:creationId xmlns:p14="http://schemas.microsoft.com/office/powerpoint/2010/main" xmlns="" val="23863786"/>
       </p:ext>
     </p:extLst>
   </p:cSld>
@@ -2884,7 +2906,7 @@
     </p:spTree>
     <p:extLst>
       <p:ext uri="{BB962C8B-B14F-4D97-AF65-F5344CB8AC3E}">
-        <p14:creationId xmlns:p14="http://schemas.microsoft.com/office/powerpoint/2010/main" val="451856102"/>
+        <p14:creationId xmlns:p14="http://schemas.microsoft.com/office/powerpoint/2010/main" xmlns="" val="451856102"/>
       </p:ext>
     </p:extLst>
   </p:cSld>
@@ -3002,7 +3024,8 @@
           <a:p>
             <a:fld id="{EEE7C04C-7AF8-1445-A186-502B631B934F}" type="datetimeFigureOut">
               <a:rPr lang="en-US" smtClean="0"/>
-              <a:t>7/9/20</a:t>
+              <a:pPr/>
+              <a:t>9/6/2020</a:t>
             </a:fld>
             <a:endParaRPr lang="en-US"/>
           </a:p>
@@ -3044,6 +3067,7 @@
           <a:p>
             <a:fld id="{DDF6F330-C845-6B40-9965-8A0C96ACE82B}" type="slidenum">
               <a:rPr lang="en-US" smtClean="0"/>
+              <a:pPr/>
               <a:t>‹#›</a:t>
             </a:fld>
             <a:endParaRPr lang="en-US"/>
@@ -3053,7 +3077,7 @@
     </p:spTree>
     <p:extLst>
       <p:ext uri="{BB962C8B-B14F-4D97-AF65-F5344CB8AC3E}">
-        <p14:creationId xmlns:p14="http://schemas.microsoft.com/office/powerpoint/2010/main" val="1689883189"/>
+        <p14:creationId xmlns:p14="http://schemas.microsoft.com/office/powerpoint/2010/main" xmlns="" val="1689883189"/>
       </p:ext>
     </p:extLst>
   </p:cSld>
@@ -3248,7 +3272,8 @@
           <a:p>
             <a:fld id="{EEE7C04C-7AF8-1445-A186-502B631B934F}" type="datetimeFigureOut">
               <a:rPr lang="en-US" smtClean="0"/>
-              <a:t>7/9/20</a:t>
+              <a:pPr/>
+              <a:t>9/6/2020</a:t>
             </a:fld>
             <a:endParaRPr lang="en-US"/>
           </a:p>
@@ -3290,6 +3315,7 @@
           <a:p>
             <a:fld id="{DDF6F330-C845-6B40-9965-8A0C96ACE82B}" type="slidenum">
               <a:rPr lang="en-US" smtClean="0"/>
+              <a:pPr/>
               <a:t>‹#›</a:t>
             </a:fld>
             <a:endParaRPr lang="en-US"/>
@@ -3299,7 +3325,7 @@
     </p:spTree>
     <p:extLst>
       <p:ext uri="{BB962C8B-B14F-4D97-AF65-F5344CB8AC3E}">
-        <p14:creationId xmlns:p14="http://schemas.microsoft.com/office/powerpoint/2010/main" val="1380835889"/>
+        <p14:creationId xmlns:p14="http://schemas.microsoft.com/office/powerpoint/2010/main" xmlns="" val="1380835889"/>
       </p:ext>
     </p:extLst>
   </p:cSld>
@@ -3479,7 +3505,8 @@
           <a:p>
             <a:fld id="{EEE7C04C-7AF8-1445-A186-502B631B934F}" type="datetimeFigureOut">
               <a:rPr lang="en-US" smtClean="0"/>
-              <a:t>7/9/20</a:t>
+              <a:pPr/>
+              <a:t>9/6/2020</a:t>
             </a:fld>
             <a:endParaRPr lang="en-US"/>
           </a:p>
@@ -3521,6 +3548,7 @@
           <a:p>
             <a:fld id="{DDF6F330-C845-6B40-9965-8A0C96ACE82B}" type="slidenum">
               <a:rPr lang="en-US" smtClean="0"/>
+              <a:pPr/>
               <a:t>‹#›</a:t>
             </a:fld>
             <a:endParaRPr lang="en-US"/>
@@ -3530,7 +3558,7 @@
     </p:spTree>
     <p:extLst>
       <p:ext uri="{BB962C8B-B14F-4D97-AF65-F5344CB8AC3E}">
-        <p14:creationId xmlns:p14="http://schemas.microsoft.com/office/powerpoint/2010/main" val="119554703"/>
+        <p14:creationId xmlns:p14="http://schemas.microsoft.com/office/powerpoint/2010/main" xmlns="" val="119554703"/>
       </p:ext>
     </p:extLst>
   </p:cSld>
@@ -3846,7 +3874,8 @@
           <a:p>
             <a:fld id="{EEE7C04C-7AF8-1445-A186-502B631B934F}" type="datetimeFigureOut">
               <a:rPr lang="en-US" smtClean="0"/>
-              <a:t>7/9/20</a:t>
+              <a:pPr/>
+              <a:t>9/6/2020</a:t>
             </a:fld>
             <a:endParaRPr lang="en-US"/>
           </a:p>
@@ -3888,6 +3917,7 @@
           <a:p>
             <a:fld id="{DDF6F330-C845-6B40-9965-8A0C96ACE82B}" type="slidenum">
               <a:rPr lang="en-US" smtClean="0"/>
+              <a:pPr/>
               <a:t>‹#›</a:t>
             </a:fld>
             <a:endParaRPr lang="en-US"/>
@@ -3897,7 +3927,7 @@
     </p:spTree>
     <p:extLst>
       <p:ext uri="{BB962C8B-B14F-4D97-AF65-F5344CB8AC3E}">
-        <p14:creationId xmlns:p14="http://schemas.microsoft.com/office/powerpoint/2010/main" val="3590359372"/>
+        <p14:creationId xmlns:p14="http://schemas.microsoft.com/office/powerpoint/2010/main" xmlns="" val="3590359372"/>
       </p:ext>
     </p:extLst>
   </p:cSld>
@@ -3964,7 +3994,8 @@
           <a:p>
             <a:fld id="{EEE7C04C-7AF8-1445-A186-502B631B934F}" type="datetimeFigureOut">
               <a:rPr lang="en-US" smtClean="0"/>
-              <a:t>7/9/20</a:t>
+              <a:pPr/>
+              <a:t>9/6/2020</a:t>
             </a:fld>
             <a:endParaRPr lang="en-US"/>
           </a:p>
@@ -4006,6 +4037,7 @@
           <a:p>
             <a:fld id="{DDF6F330-C845-6B40-9965-8A0C96ACE82B}" type="slidenum">
               <a:rPr lang="en-US" smtClean="0"/>
+              <a:pPr/>
               <a:t>‹#›</a:t>
             </a:fld>
             <a:endParaRPr lang="en-US"/>
@@ -4015,7 +4047,7 @@
     </p:spTree>
     <p:extLst>
       <p:ext uri="{BB962C8B-B14F-4D97-AF65-F5344CB8AC3E}">
-        <p14:creationId xmlns:p14="http://schemas.microsoft.com/office/powerpoint/2010/main" val="3053346864"/>
+        <p14:creationId xmlns:p14="http://schemas.microsoft.com/office/powerpoint/2010/main" xmlns="" val="3053346864"/>
       </p:ext>
     </p:extLst>
   </p:cSld>
@@ -4059,7 +4091,8 @@
           <a:p>
             <a:fld id="{EEE7C04C-7AF8-1445-A186-502B631B934F}" type="datetimeFigureOut">
               <a:rPr lang="en-US" smtClean="0"/>
-              <a:t>7/9/20</a:t>
+              <a:pPr/>
+              <a:t>9/6/2020</a:t>
             </a:fld>
             <a:endParaRPr lang="en-US"/>
           </a:p>
@@ -4101,6 +4134,7 @@
           <a:p>
             <a:fld id="{DDF6F330-C845-6B40-9965-8A0C96ACE82B}" type="slidenum">
               <a:rPr lang="en-US" smtClean="0"/>
+              <a:pPr/>
               <a:t>‹#›</a:t>
             </a:fld>
             <a:endParaRPr lang="en-US"/>
@@ -4110,7 +4144,7 @@
     </p:spTree>
     <p:extLst>
       <p:ext uri="{BB962C8B-B14F-4D97-AF65-F5344CB8AC3E}">
-        <p14:creationId xmlns:p14="http://schemas.microsoft.com/office/powerpoint/2010/main" val="635279656"/>
+        <p14:creationId xmlns:p14="http://schemas.microsoft.com/office/powerpoint/2010/main" xmlns="" val="635279656"/>
       </p:ext>
     </p:extLst>
   </p:cSld>
@@ -4336,7 +4370,8 @@
           <a:p>
             <a:fld id="{EEE7C04C-7AF8-1445-A186-502B631B934F}" type="datetimeFigureOut">
               <a:rPr lang="en-US" smtClean="0"/>
-              <a:t>7/9/20</a:t>
+              <a:pPr/>
+              <a:t>9/6/2020</a:t>
             </a:fld>
             <a:endParaRPr lang="en-US"/>
           </a:p>
@@ -4378,6 +4413,7 @@
           <a:p>
             <a:fld id="{DDF6F330-C845-6B40-9965-8A0C96ACE82B}" type="slidenum">
               <a:rPr lang="en-US" smtClean="0"/>
+              <a:pPr/>
               <a:t>‹#›</a:t>
             </a:fld>
             <a:endParaRPr lang="en-US"/>
@@ -4387,7 +4423,7 @@
     </p:spTree>
     <p:extLst>
       <p:ext uri="{BB962C8B-B14F-4D97-AF65-F5344CB8AC3E}">
-        <p14:creationId xmlns:p14="http://schemas.microsoft.com/office/powerpoint/2010/main" val="599901665"/>
+        <p14:creationId xmlns:p14="http://schemas.microsoft.com/office/powerpoint/2010/main" xmlns="" val="599901665"/>
       </p:ext>
     </p:extLst>
   </p:cSld>
@@ -4593,7 +4629,8 @@
           <a:p>
             <a:fld id="{EEE7C04C-7AF8-1445-A186-502B631B934F}" type="datetimeFigureOut">
               <a:rPr lang="en-US" smtClean="0"/>
-              <a:t>7/9/20</a:t>
+              <a:pPr/>
+              <a:t>9/6/2020</a:t>
             </a:fld>
             <a:endParaRPr lang="en-US"/>
           </a:p>
@@ -4635,6 +4672,7 @@
           <a:p>
             <a:fld id="{DDF6F330-C845-6B40-9965-8A0C96ACE82B}" type="slidenum">
               <a:rPr lang="en-US" smtClean="0"/>
+              <a:pPr/>
               <a:t>‹#›</a:t>
             </a:fld>
             <a:endParaRPr lang="en-US"/>
@@ -4644,7 +4682,7 @@
     </p:spTree>
     <p:extLst>
       <p:ext uri="{BB962C8B-B14F-4D97-AF65-F5344CB8AC3E}">
-        <p14:creationId xmlns:p14="http://schemas.microsoft.com/office/powerpoint/2010/main" val="2301090142"/>
+        <p14:creationId xmlns:p14="http://schemas.microsoft.com/office/powerpoint/2010/main" xmlns="" val="2301090142"/>
       </p:ext>
     </p:extLst>
   </p:cSld>
@@ -4804,7 +4842,8 @@
           <a:p>
             <a:fld id="{EEE7C04C-7AF8-1445-A186-502B631B934F}" type="datetimeFigureOut">
               <a:rPr lang="en-US" smtClean="0"/>
-              <a:t>7/9/20</a:t>
+              <a:pPr/>
+              <a:t>9/6/2020</a:t>
             </a:fld>
             <a:endParaRPr lang="en-US"/>
           </a:p>
@@ -4882,6 +4921,7 @@
           <a:p>
             <a:fld id="{DDF6F330-C845-6B40-9965-8A0C96ACE82B}" type="slidenum">
               <a:rPr lang="en-US" smtClean="0"/>
+              <a:pPr/>
               <a:t>‹#›</a:t>
             </a:fld>
             <a:endParaRPr lang="en-US"/>
@@ -4891,7 +4931,7 @@
     </p:spTree>
     <p:extLst>
       <p:ext uri="{BB962C8B-B14F-4D97-AF65-F5344CB8AC3E}">
-        <p14:creationId xmlns:p14="http://schemas.microsoft.com/office/powerpoint/2010/main" val="3091521309"/>
+        <p14:creationId xmlns:p14="http://schemas.microsoft.com/office/powerpoint/2010/main" xmlns="" val="3091521309"/>
       </p:ext>
     </p:extLst>
   </p:cSld>
@@ -5225,7 +5265,7 @@
           <p:cNvPr id="2" name="Title 1">
             <a:extLst>
               <a:ext uri="{FF2B5EF4-FFF2-40B4-BE49-F238E27FC236}">
-                <a16:creationId xmlns:a16="http://schemas.microsoft.com/office/drawing/2014/main" id="{1132184B-9E70-0147-A7B2-2B03EF546E89}"/>
+                <a16:creationId xmlns:a16="http://schemas.microsoft.com/office/drawing/2014/main" xmlns="" id="{1132184B-9E70-0147-A7B2-2B03EF546E89}"/>
               </a:ext>
             </a:extLst>
           </p:cNvPr>
@@ -5270,7 +5310,7 @@
           <p:cNvPr id="3" name="Content Placeholder 2">
             <a:extLst>
               <a:ext uri="{FF2B5EF4-FFF2-40B4-BE49-F238E27FC236}">
-                <a16:creationId xmlns:a16="http://schemas.microsoft.com/office/drawing/2014/main" id="{61DFB40C-2FCB-434C-A0CC-755A7EB0703A}"/>
+                <a16:creationId xmlns:a16="http://schemas.microsoft.com/office/drawing/2014/main" xmlns="" id="{61DFB40C-2FCB-434C-A0CC-755A7EB0703A}"/>
               </a:ext>
             </a:extLst>
           </p:cNvPr>
@@ -5917,7 +5957,7 @@
     </p:spTree>
     <p:extLst>
       <p:ext uri="{BB962C8B-B14F-4D97-AF65-F5344CB8AC3E}">
-        <p14:creationId xmlns:p14="http://schemas.microsoft.com/office/powerpoint/2010/main" val="100351572"/>
+        <p14:creationId xmlns:p14="http://schemas.microsoft.com/office/powerpoint/2010/main" xmlns="" val="100351572"/>
       </p:ext>
     </p:extLst>
   </p:cSld>
@@ -5949,7 +5989,7 @@
           <p:cNvPr id="15361" name="Shape 215">
             <a:extLst>
               <a:ext uri="{FF2B5EF4-FFF2-40B4-BE49-F238E27FC236}">
-                <a16:creationId xmlns:a16="http://schemas.microsoft.com/office/drawing/2014/main" id="{785907C2-E542-0243-BDC2-E7E7E777C4BE}"/>
+                <a16:creationId xmlns:a16="http://schemas.microsoft.com/office/drawing/2014/main" xmlns="" id="{785907C2-E542-0243-BDC2-E7E7E777C4BE}"/>
               </a:ext>
             </a:extLst>
           </p:cNvPr>
@@ -5981,7 +6021,7 @@
           <p:cNvPr id="15362" name="Shape 216">
             <a:extLst>
               <a:ext uri="{FF2B5EF4-FFF2-40B4-BE49-F238E27FC236}">
-                <a16:creationId xmlns:a16="http://schemas.microsoft.com/office/drawing/2014/main" id="{5F285851-9EF9-AA42-A833-AC5273E2B922}"/>
+                <a16:creationId xmlns:a16="http://schemas.microsoft.com/office/drawing/2014/main" xmlns="" id="{5F285851-9EF9-AA42-A833-AC5273E2B922}"/>
               </a:ext>
             </a:extLst>
           </p:cNvPr>
@@ -6004,14 +6044,14 @@
           </a:ln>
           <a:extLst>
             <a:ext uri="{909E8E84-426E-40DD-AFC4-6F175D3DCCD1}">
-              <a14:hiddenFill xmlns:a14="http://schemas.microsoft.com/office/drawing/2010/main">
+              <a14:hiddenFill xmlns:a14="http://schemas.microsoft.com/office/drawing/2010/main" xmlns="">
                 <a:solidFill>
                   <a:srgbClr val="FFFFFF"/>
                 </a:solidFill>
               </a14:hiddenFill>
             </a:ext>
             <a:ext uri="{91240B29-F687-4F45-9708-019B960494DF}">
-              <a14:hiddenLine xmlns:a14="http://schemas.microsoft.com/office/drawing/2010/main" w="12700">
+              <a14:hiddenLine xmlns:a14="http://schemas.microsoft.com/office/drawing/2010/main" xmlns="" w="12700">
                 <a:solidFill>
                   <a:srgbClr val="000000"/>
                 </a:solidFill>
@@ -6322,7 +6362,7 @@
           <p:cNvPr id="217" name="Shape 217">
             <a:extLst>
               <a:ext uri="{FF2B5EF4-FFF2-40B4-BE49-F238E27FC236}">
-                <a16:creationId xmlns:a16="http://schemas.microsoft.com/office/drawing/2014/main" id="{B392DBDF-F3DA-9840-BA6E-EF9D69B74CE5}"/>
+                <a16:creationId xmlns:a16="http://schemas.microsoft.com/office/drawing/2014/main" xmlns="" id="{B392DBDF-F3DA-9840-BA6E-EF9D69B74CE5}"/>
               </a:ext>
             </a:extLst>
           </p:cNvPr>
@@ -6385,7 +6425,7 @@
           <p:cNvPr id="218" name="Shape 218">
             <a:extLst>
               <a:ext uri="{FF2B5EF4-FFF2-40B4-BE49-F238E27FC236}">
-                <a16:creationId xmlns:a16="http://schemas.microsoft.com/office/drawing/2014/main" id="{4EED6000-0B79-D547-8222-D3C94C90C9C1}"/>
+                <a16:creationId xmlns:a16="http://schemas.microsoft.com/office/drawing/2014/main" xmlns="" id="{4EED6000-0B79-D547-8222-D3C94C90C9C1}"/>
               </a:ext>
             </a:extLst>
           </p:cNvPr>
@@ -6448,7 +6488,7 @@
           <p:cNvPr id="15365" name="Shape 219">
             <a:extLst>
               <a:ext uri="{FF2B5EF4-FFF2-40B4-BE49-F238E27FC236}">
-                <a16:creationId xmlns:a16="http://schemas.microsoft.com/office/drawing/2014/main" id="{759A3A6A-2173-0C47-BB03-D2039E8D57B6}"/>
+                <a16:creationId xmlns:a16="http://schemas.microsoft.com/office/drawing/2014/main" xmlns="" id="{759A3A6A-2173-0C47-BB03-D2039E8D57B6}"/>
               </a:ext>
             </a:extLst>
           </p:cNvPr>
@@ -6471,14 +6511,14 @@
           </a:ln>
           <a:extLst>
             <a:ext uri="{909E8E84-426E-40DD-AFC4-6F175D3DCCD1}">
-              <a14:hiddenFill xmlns:a14="http://schemas.microsoft.com/office/drawing/2010/main">
+              <a14:hiddenFill xmlns:a14="http://schemas.microsoft.com/office/drawing/2010/main" xmlns="">
                 <a:solidFill>
                   <a:srgbClr val="FFFFFF"/>
                 </a:solidFill>
               </a14:hiddenFill>
             </a:ext>
             <a:ext uri="{91240B29-F687-4F45-9708-019B960494DF}">
-              <a14:hiddenLine xmlns:a14="http://schemas.microsoft.com/office/drawing/2010/main" w="12700">
+              <a14:hiddenLine xmlns:a14="http://schemas.microsoft.com/office/drawing/2010/main" xmlns="" w="12700">
                 <a:solidFill>
                   <a:srgbClr val="000000"/>
                 </a:solidFill>
@@ -6626,10 +6666,10 @@
           <p:cNvPr id="220" name="Shape 220">
             <a:extLst>
               <a:ext uri="{FF2B5EF4-FFF2-40B4-BE49-F238E27FC236}">
-                <a16:creationId xmlns:a16="http://schemas.microsoft.com/office/drawing/2014/main" id="{E08E52D9-E57E-2343-9E96-6EFE2FAACA4A}"/>
+                <a16:creationId xmlns:a16="http://schemas.microsoft.com/office/drawing/2014/main" xmlns="" id="{E08E52D9-E57E-2343-9E96-6EFE2FAACA4A}"/>
               </a:ext>
               <a:ext uri="{C183D7F6-B498-43B3-948B-1728B52AA6E4}">
-                <adec:decorative xmlns:adec="http://schemas.microsoft.com/office/drawing/2017/decorative" val="1"/>
+                <adec:decorative xmlns:adec="http://schemas.microsoft.com/office/drawing/2017/decorative" xmlns="" val="1"/>
               </a:ext>
             </a:extLst>
           </p:cNvPr>
@@ -6672,10 +6712,10 @@
           <p:cNvPr id="221" name="Shape 221">
             <a:extLst>
               <a:ext uri="{FF2B5EF4-FFF2-40B4-BE49-F238E27FC236}">
-                <a16:creationId xmlns:a16="http://schemas.microsoft.com/office/drawing/2014/main" id="{CA2CE0B9-E02B-B646-9861-143160FFD0EF}"/>
+                <a16:creationId xmlns:a16="http://schemas.microsoft.com/office/drawing/2014/main" xmlns="" id="{CA2CE0B9-E02B-B646-9861-143160FFD0EF}"/>
               </a:ext>
               <a:ext uri="{C183D7F6-B498-43B3-948B-1728B52AA6E4}">
-                <adec:decorative xmlns:adec="http://schemas.microsoft.com/office/drawing/2017/decorative" val="1"/>
+                <adec:decorative xmlns:adec="http://schemas.microsoft.com/office/drawing/2017/decorative" xmlns="" val="1"/>
               </a:ext>
             </a:extLst>
           </p:cNvPr>
@@ -6718,10 +6758,10 @@
           <p:cNvPr id="222" name="Shape 222">
             <a:extLst>
               <a:ext uri="{FF2B5EF4-FFF2-40B4-BE49-F238E27FC236}">
-                <a16:creationId xmlns:a16="http://schemas.microsoft.com/office/drawing/2014/main" id="{687A56E3-ED31-384C-8E77-532837ACFA71}"/>
+                <a16:creationId xmlns:a16="http://schemas.microsoft.com/office/drawing/2014/main" xmlns="" id="{687A56E3-ED31-384C-8E77-532837ACFA71}"/>
               </a:ext>
               <a:ext uri="{C183D7F6-B498-43B3-948B-1728B52AA6E4}">
-                <adec:decorative xmlns:adec="http://schemas.microsoft.com/office/drawing/2017/decorative" val="1"/>
+                <adec:decorative xmlns:adec="http://schemas.microsoft.com/office/drawing/2017/decorative" xmlns="" val="1"/>
               </a:ext>
             </a:extLst>
           </p:cNvPr>
@@ -6790,7 +6830,7 @@
           <p:cNvPr id="2" name="Title 1" hidden="1">
             <a:extLst>
               <a:ext uri="{FF2B5EF4-FFF2-40B4-BE49-F238E27FC236}">
-                <a16:creationId xmlns:a16="http://schemas.microsoft.com/office/drawing/2014/main" id="{09D8BD60-EB69-E64C-B2DC-FDA6120B0D60}"/>
+                <a16:creationId xmlns:a16="http://schemas.microsoft.com/office/drawing/2014/main" xmlns="" id="{09D8BD60-EB69-E64C-B2DC-FDA6120B0D60}"/>
               </a:ext>
             </a:extLst>
           </p:cNvPr>
@@ -6835,7 +6875,7 @@
           <p:cNvPr id="16385" name="Shape 224">
             <a:extLst>
               <a:ext uri="{FF2B5EF4-FFF2-40B4-BE49-F238E27FC236}">
-                <a16:creationId xmlns:a16="http://schemas.microsoft.com/office/drawing/2014/main" id="{CB5F77B9-22C9-EE4C-AF36-B806F8F4C19F}"/>
+                <a16:creationId xmlns:a16="http://schemas.microsoft.com/office/drawing/2014/main" xmlns="" id="{CB5F77B9-22C9-EE4C-AF36-B806F8F4C19F}"/>
               </a:ext>
             </a:extLst>
           </p:cNvPr>
@@ -6858,14 +6898,14 @@
           </a:ln>
           <a:extLst>
             <a:ext uri="{909E8E84-426E-40DD-AFC4-6F175D3DCCD1}">
-              <a14:hiddenFill xmlns:a14="http://schemas.microsoft.com/office/drawing/2010/main">
+              <a14:hiddenFill xmlns:a14="http://schemas.microsoft.com/office/drawing/2010/main" xmlns="">
                 <a:solidFill>
                   <a:srgbClr val="FFFFFF"/>
                 </a:solidFill>
               </a14:hiddenFill>
             </a:ext>
             <a:ext uri="{91240B29-F687-4F45-9708-019B960494DF}">
-              <a14:hiddenLine xmlns:a14="http://schemas.microsoft.com/office/drawing/2010/main" w="12700">
+              <a14:hiddenLine xmlns:a14="http://schemas.microsoft.com/office/drawing/2010/main" xmlns="" w="12700">
                 <a:solidFill>
                   <a:srgbClr val="000000"/>
                 </a:solidFill>
@@ -7043,7 +7083,7 @@
           <p:cNvPr id="16386" name="Snapshot 2008-10-15 15-26-53.png" descr="Screenshot of a CSS Cheat Sheet. The sheet itself can be found at http://www.lesliefranke.com/files/reference/csscheatsheet.html&#10;">
             <a:extLst>
               <a:ext uri="{FF2B5EF4-FFF2-40B4-BE49-F238E27FC236}">
-                <a16:creationId xmlns:a16="http://schemas.microsoft.com/office/drawing/2014/main" id="{6B4396EA-7867-1143-BC64-C858DE765909}"/>
+                <a16:creationId xmlns:a16="http://schemas.microsoft.com/office/drawing/2014/main" xmlns="" id="{6B4396EA-7867-1143-BC64-C858DE765909}"/>
               </a:ext>
             </a:extLst>
           </p:cNvPr>
@@ -7056,7 +7096,7 @@
           <a:blip r:embed="rId3">
             <a:extLst>
               <a:ext uri="{28A0092B-C50C-407E-A947-70E740481C1C}">
-                <a14:useLocalDpi xmlns:a14="http://schemas.microsoft.com/office/drawing/2010/main" val="0"/>
+                <a14:useLocalDpi xmlns:a14="http://schemas.microsoft.com/office/drawing/2010/main" xmlns="" val="0"/>
               </a:ext>
             </a:extLst>
           </a:blip>
@@ -7079,14 +7119,14 @@
           </a:ln>
           <a:extLst>
             <a:ext uri="{909E8E84-426E-40DD-AFC4-6F175D3DCCD1}">
-              <a14:hiddenFill xmlns:a14="http://schemas.microsoft.com/office/drawing/2010/main">
+              <a14:hiddenFill xmlns:a14="http://schemas.microsoft.com/office/drawing/2010/main" xmlns="">
                 <a:solidFill>
                   <a:srgbClr val="FFFFFF"/>
                 </a:solidFill>
               </a14:hiddenFill>
             </a:ext>
             <a:ext uri="{91240B29-F687-4F45-9708-019B960494DF}">
-              <a14:hiddenLine xmlns:a14="http://schemas.microsoft.com/office/drawing/2010/main" w="12700">
+              <a14:hiddenLine xmlns:a14="http://schemas.microsoft.com/office/drawing/2010/main" xmlns="" w="12700">
                 <a:solidFill>
                   <a:srgbClr val="000000"/>
                 </a:solidFill>
@@ -7129,7 +7169,7 @@
           <p:cNvPr id="17409" name="Shape 227">
             <a:extLst>
               <a:ext uri="{FF2B5EF4-FFF2-40B4-BE49-F238E27FC236}">
-                <a16:creationId xmlns:a16="http://schemas.microsoft.com/office/drawing/2014/main" id="{95433683-4331-1F45-A229-3CD12A167470}"/>
+                <a16:creationId xmlns:a16="http://schemas.microsoft.com/office/drawing/2014/main" xmlns="" id="{95433683-4331-1F45-A229-3CD12A167470}"/>
               </a:ext>
             </a:extLst>
           </p:cNvPr>
@@ -7161,7 +7201,7 @@
           <p:cNvPr id="17410" name="Shape 229">
             <a:extLst>
               <a:ext uri="{FF2B5EF4-FFF2-40B4-BE49-F238E27FC236}">
-                <a16:creationId xmlns:a16="http://schemas.microsoft.com/office/drawing/2014/main" id="{304A1F66-5553-1147-923D-03B45B9C8091}"/>
+                <a16:creationId xmlns:a16="http://schemas.microsoft.com/office/drawing/2014/main" xmlns="" id="{304A1F66-5553-1147-923D-03B45B9C8091}"/>
               </a:ext>
             </a:extLst>
           </p:cNvPr>
@@ -7184,14 +7224,14 @@
           </a:ln>
           <a:extLst>
             <a:ext uri="{909E8E84-426E-40DD-AFC4-6F175D3DCCD1}">
-              <a14:hiddenFill xmlns:a14="http://schemas.microsoft.com/office/drawing/2010/main">
+              <a14:hiddenFill xmlns:a14="http://schemas.microsoft.com/office/drawing/2010/main" xmlns="">
                 <a:solidFill>
                   <a:srgbClr val="FFFFFF"/>
                 </a:solidFill>
               </a14:hiddenFill>
             </a:ext>
             <a:ext uri="{91240B29-F687-4F45-9708-019B960494DF}">
-              <a14:hiddenLine xmlns:a14="http://schemas.microsoft.com/office/drawing/2010/main" w="12700">
+              <a14:hiddenLine xmlns:a14="http://schemas.microsoft.com/office/drawing/2010/main" xmlns="" w="12700">
                 <a:solidFill>
                   <a:srgbClr val="000000"/>
                 </a:solidFill>
@@ -7419,7 +7459,7 @@
           <p:cNvPr id="17411" name="Shape 230">
             <a:extLst>
               <a:ext uri="{FF2B5EF4-FFF2-40B4-BE49-F238E27FC236}">
-                <a16:creationId xmlns:a16="http://schemas.microsoft.com/office/drawing/2014/main" id="{9AC72688-10DE-ED40-B007-C843035AB800}"/>
+                <a16:creationId xmlns:a16="http://schemas.microsoft.com/office/drawing/2014/main" xmlns="" id="{9AC72688-10DE-ED40-B007-C843035AB800}"/>
               </a:ext>
             </a:extLst>
           </p:cNvPr>
@@ -7442,14 +7482,14 @@
           </a:ln>
           <a:extLst>
             <a:ext uri="{909E8E84-426E-40DD-AFC4-6F175D3DCCD1}">
-              <a14:hiddenFill xmlns:a14="http://schemas.microsoft.com/office/drawing/2010/main">
+              <a14:hiddenFill xmlns:a14="http://schemas.microsoft.com/office/drawing/2010/main" xmlns="">
                 <a:solidFill>
                   <a:srgbClr val="FFFFFF"/>
                 </a:solidFill>
               </a14:hiddenFill>
             </a:ext>
             <a:ext uri="{91240B29-F687-4F45-9708-019B960494DF}">
-              <a14:hiddenLine xmlns:a14="http://schemas.microsoft.com/office/drawing/2010/main" w="12700">
+              <a14:hiddenLine xmlns:a14="http://schemas.microsoft.com/office/drawing/2010/main" xmlns="" w="12700">
                 <a:solidFill>
                   <a:srgbClr val="000000"/>
                 </a:solidFill>
@@ -7686,7 +7726,7 @@
           <p:cNvPr id="17412" name="Shape 224">
             <a:extLst>
               <a:ext uri="{FF2B5EF4-FFF2-40B4-BE49-F238E27FC236}">
-                <a16:creationId xmlns:a16="http://schemas.microsoft.com/office/drawing/2014/main" id="{3AD69D89-78C0-9F43-9656-AE8E77D7960E}"/>
+                <a16:creationId xmlns:a16="http://schemas.microsoft.com/office/drawing/2014/main" xmlns="" id="{3AD69D89-78C0-9F43-9656-AE8E77D7960E}"/>
               </a:ext>
             </a:extLst>
           </p:cNvPr>
@@ -7709,14 +7749,14 @@
           </a:ln>
           <a:extLst>
             <a:ext uri="{909E8E84-426E-40DD-AFC4-6F175D3DCCD1}">
-              <a14:hiddenFill xmlns:a14="http://schemas.microsoft.com/office/drawing/2010/main">
+              <a14:hiddenFill xmlns:a14="http://schemas.microsoft.com/office/drawing/2010/main" xmlns="">
                 <a:solidFill>
                   <a:srgbClr val="FFFFFF"/>
                 </a:solidFill>
               </a14:hiddenFill>
             </a:ext>
             <a:ext uri="{91240B29-F687-4F45-9708-019B960494DF}">
-              <a14:hiddenLine xmlns:a14="http://schemas.microsoft.com/office/drawing/2010/main" w="12700">
+              <a14:hiddenLine xmlns:a14="http://schemas.microsoft.com/office/drawing/2010/main" xmlns="" w="12700">
                 <a:solidFill>
                   <a:srgbClr val="000000"/>
                 </a:solidFill>
@@ -7891,7 +7931,7 @@
           <p:cNvPr id="18433" name="Title 2">
             <a:extLst>
               <a:ext uri="{FF2B5EF4-FFF2-40B4-BE49-F238E27FC236}">
-                <a16:creationId xmlns:a16="http://schemas.microsoft.com/office/drawing/2014/main" id="{9DF97C66-8A66-1745-8D39-CE23A08B0D68}"/>
+                <a16:creationId xmlns:a16="http://schemas.microsoft.com/office/drawing/2014/main" xmlns="" id="{9DF97C66-8A66-1745-8D39-CE23A08B0D68}"/>
               </a:ext>
             </a:extLst>
           </p:cNvPr>
@@ -7948,7 +7988,7 @@
           <p:cNvPr id="20481" name="Shape 232">
             <a:extLst>
               <a:ext uri="{FF2B5EF4-FFF2-40B4-BE49-F238E27FC236}">
-                <a16:creationId xmlns:a16="http://schemas.microsoft.com/office/drawing/2014/main" id="{24297F03-89AF-ED4A-8541-A4F02162EFBB}"/>
+                <a16:creationId xmlns:a16="http://schemas.microsoft.com/office/drawing/2014/main" xmlns="" id="{24297F03-89AF-ED4A-8541-A4F02162EFBB}"/>
               </a:ext>
             </a:extLst>
           </p:cNvPr>
@@ -7980,7 +8020,7 @@
           <p:cNvPr id="20482" name="Shape 233">
             <a:extLst>
               <a:ext uri="{FF2B5EF4-FFF2-40B4-BE49-F238E27FC236}">
-                <a16:creationId xmlns:a16="http://schemas.microsoft.com/office/drawing/2014/main" id="{86BACDE5-E2C1-B74D-83EA-401351BB9EF3}"/>
+                <a16:creationId xmlns:a16="http://schemas.microsoft.com/office/drawing/2014/main" xmlns="" id="{86BACDE5-E2C1-B74D-83EA-401351BB9EF3}"/>
               </a:ext>
             </a:extLst>
           </p:cNvPr>
@@ -8086,7 +8126,7 @@
           <p:cNvPr id="2" name="Title 1" hidden="1">
             <a:extLst>
               <a:ext uri="{FF2B5EF4-FFF2-40B4-BE49-F238E27FC236}">
-                <a16:creationId xmlns:a16="http://schemas.microsoft.com/office/drawing/2014/main" id="{B5783F49-9ED5-D846-89F1-9543F817ACA4}"/>
+                <a16:creationId xmlns:a16="http://schemas.microsoft.com/office/drawing/2014/main" xmlns="" id="{B5783F49-9ED5-D846-89F1-9543F817ACA4}"/>
               </a:ext>
             </a:extLst>
           </p:cNvPr>
@@ -8139,7 +8179,7 @@
           <p:cNvPr id="21505" name="Picture 3" descr="Screenshot of www.wa4e.com/code/css/. Highlighted text read as &quot;We can put a border around a block of text. You probably want a CSS cheat sheet handy or use Google to search to find CSS values.&quot; ">
             <a:extLst>
               <a:ext uri="{FF2B5EF4-FFF2-40B4-BE49-F238E27FC236}">
-                <a16:creationId xmlns:a16="http://schemas.microsoft.com/office/drawing/2014/main" id="{72B43CBD-D17C-204F-B487-269743279B87}"/>
+                <a16:creationId xmlns:a16="http://schemas.microsoft.com/office/drawing/2014/main" xmlns="" id="{72B43CBD-D17C-204F-B487-269743279B87}"/>
               </a:ext>
             </a:extLst>
           </p:cNvPr>
@@ -8152,7 +8192,7 @@
           <a:blip r:embed="rId3">
             <a:extLst>
               <a:ext uri="{28A0092B-C50C-407E-A947-70E740481C1C}">
-                <a14:useLocalDpi xmlns:a14="http://schemas.microsoft.com/office/drawing/2010/main" val="0"/>
+                <a14:useLocalDpi xmlns:a14="http://schemas.microsoft.com/office/drawing/2010/main" xmlns="" val="0"/>
               </a:ext>
             </a:extLst>
           </a:blip>
@@ -8175,14 +8215,14 @@
           </a:ln>
           <a:extLst>
             <a:ext uri="{909E8E84-426E-40DD-AFC4-6F175D3DCCD1}">
-              <a14:hiddenFill xmlns:a14="http://schemas.microsoft.com/office/drawing/2010/main">
+              <a14:hiddenFill xmlns:a14="http://schemas.microsoft.com/office/drawing/2010/main" xmlns="">
                 <a:solidFill>
                   <a:srgbClr val="FFFFFF"/>
                 </a:solidFill>
               </a14:hiddenFill>
             </a:ext>
             <a:ext uri="{91240B29-F687-4F45-9708-019B960494DF}">
-              <a14:hiddenLine xmlns:a14="http://schemas.microsoft.com/office/drawing/2010/main" w="9525">
+              <a14:hiddenLine xmlns:a14="http://schemas.microsoft.com/office/drawing/2010/main" xmlns="" w="9525">
                 <a:solidFill>
                   <a:srgbClr val="000000"/>
                 </a:solidFill>
@@ -8224,7 +8264,7 @@
           <p:cNvPr id="2" name="Title 1" hidden="1">
             <a:extLst>
               <a:ext uri="{FF2B5EF4-FFF2-40B4-BE49-F238E27FC236}">
-                <a16:creationId xmlns:a16="http://schemas.microsoft.com/office/drawing/2014/main" id="{0047378B-296E-E44D-9EAC-11E0DB04836E}"/>
+                <a16:creationId xmlns:a16="http://schemas.microsoft.com/office/drawing/2014/main" xmlns="" id="{0047378B-296E-E44D-9EAC-11E0DB04836E}"/>
               </a:ext>
             </a:extLst>
           </p:cNvPr>
@@ -8261,7 +8301,7 @@
           <p:cNvPr id="22529" name="Picture 3" descr="Screenshot of www.wa4e.com/code/css/rules.htm. Highlighted text read as &quot;You put a set of rules in a &lt;style&gt; tag, and they are applied to parts of the documents that match the selectors. After a while we end up with far too many CSS rules to put in the &lt;head&gt; area of each document. A simpler way to include a large number of CSS rules is to put them in a separate file and -&gt; include that file in each of the pages&quot;.">
             <a:extLst>
               <a:ext uri="{FF2B5EF4-FFF2-40B4-BE49-F238E27FC236}">
-                <a16:creationId xmlns:a16="http://schemas.microsoft.com/office/drawing/2014/main" id="{AF827FD4-61C8-8D40-A9FA-44C8BC553EF2}"/>
+                <a16:creationId xmlns:a16="http://schemas.microsoft.com/office/drawing/2014/main" xmlns="" id="{AF827FD4-61C8-8D40-A9FA-44C8BC553EF2}"/>
               </a:ext>
             </a:extLst>
           </p:cNvPr>
@@ -8274,7 +8314,7 @@
           <a:blip r:embed="rId3">
             <a:extLst>
               <a:ext uri="{28A0092B-C50C-407E-A947-70E740481C1C}">
-                <a14:useLocalDpi xmlns:a14="http://schemas.microsoft.com/office/drawing/2010/main" val="0"/>
+                <a14:useLocalDpi xmlns:a14="http://schemas.microsoft.com/office/drawing/2010/main" xmlns="" val="0"/>
               </a:ext>
             </a:extLst>
           </a:blip>
@@ -8297,14 +8337,14 @@
           </a:ln>
           <a:extLst>
             <a:ext uri="{909E8E84-426E-40DD-AFC4-6F175D3DCCD1}">
-              <a14:hiddenFill xmlns:a14="http://schemas.microsoft.com/office/drawing/2010/main">
+              <a14:hiddenFill xmlns:a14="http://schemas.microsoft.com/office/drawing/2010/main" xmlns="">
                 <a:solidFill>
                   <a:srgbClr val="FFFFFF"/>
                 </a:solidFill>
               </a14:hiddenFill>
             </a:ext>
             <a:ext uri="{91240B29-F687-4F45-9708-019B960494DF}">
-              <a14:hiddenLine xmlns:a14="http://schemas.microsoft.com/office/drawing/2010/main" w="9525">
+              <a14:hiddenLine xmlns:a14="http://schemas.microsoft.com/office/drawing/2010/main" xmlns="" w="9525">
                 <a:solidFill>
                   <a:srgbClr val="000000"/>
                 </a:solidFill>
@@ -8346,7 +8386,7 @@
           <p:cNvPr id="2" name="Title 1" hidden="1">
             <a:extLst>
               <a:ext uri="{FF2B5EF4-FFF2-40B4-BE49-F238E27FC236}">
-                <a16:creationId xmlns:a16="http://schemas.microsoft.com/office/drawing/2014/main" id="{249B3E7C-7B3F-7146-BFAF-EC198525AE0E}"/>
+                <a16:creationId xmlns:a16="http://schemas.microsoft.com/office/drawing/2014/main" xmlns="" id="{249B3E7C-7B3F-7146-BFAF-EC198525AE0E}"/>
               </a:ext>
             </a:extLst>
           </p:cNvPr>
@@ -8375,7 +8415,7 @@
           <p:cNvPr id="248" name="Shape 248">
             <a:extLst>
               <a:ext uri="{FF2B5EF4-FFF2-40B4-BE49-F238E27FC236}">
-                <a16:creationId xmlns:a16="http://schemas.microsoft.com/office/drawing/2014/main" id="{132F05FD-4F08-9240-A5FD-02AFEC1A31BA}"/>
+                <a16:creationId xmlns:a16="http://schemas.microsoft.com/office/drawing/2014/main" xmlns="" id="{132F05FD-4F08-9240-A5FD-02AFEC1A31BA}"/>
               </a:ext>
             </a:extLst>
           </p:cNvPr>
@@ -8643,7 +8683,7 @@
           <p:cNvPr id="23554" name="Shape 249">
             <a:extLst>
               <a:ext uri="{FF2B5EF4-FFF2-40B4-BE49-F238E27FC236}">
-                <a16:creationId xmlns:a16="http://schemas.microsoft.com/office/drawing/2014/main" id="{27B853F1-7F73-1342-B86B-99103A032DFD}"/>
+                <a16:creationId xmlns:a16="http://schemas.microsoft.com/office/drawing/2014/main" xmlns="" id="{27B853F1-7F73-1342-B86B-99103A032DFD}"/>
               </a:ext>
             </a:extLst>
           </p:cNvPr>
@@ -8666,14 +8706,14 @@
           </a:ln>
           <a:extLst>
             <a:ext uri="{909E8E84-426E-40DD-AFC4-6F175D3DCCD1}">
-              <a14:hiddenFill xmlns:a14="http://schemas.microsoft.com/office/drawing/2010/main">
+              <a14:hiddenFill xmlns:a14="http://schemas.microsoft.com/office/drawing/2010/main" xmlns="">
                 <a:solidFill>
                   <a:srgbClr val="FFFFFF"/>
                 </a:solidFill>
               </a14:hiddenFill>
             </a:ext>
             <a:ext uri="{91240B29-F687-4F45-9708-019B960494DF}">
-              <a14:hiddenLine xmlns:a14="http://schemas.microsoft.com/office/drawing/2010/main" w="12700">
+              <a14:hiddenLine xmlns:a14="http://schemas.microsoft.com/office/drawing/2010/main" xmlns="" w="12700">
                 <a:solidFill>
                   <a:srgbClr val="000000"/>
                 </a:solidFill>
@@ -9280,7 +9320,7 @@
           <p:cNvPr id="2" name="Title 1" hidden="1">
             <a:extLst>
               <a:ext uri="{FF2B5EF4-FFF2-40B4-BE49-F238E27FC236}">
-                <a16:creationId xmlns:a16="http://schemas.microsoft.com/office/drawing/2014/main" id="{BD9B5E78-017F-C443-8835-4A6FCF01C78B}"/>
+                <a16:creationId xmlns:a16="http://schemas.microsoft.com/office/drawing/2014/main" xmlns="" id="{BD9B5E78-017F-C443-8835-4A6FCF01C78B}"/>
               </a:ext>
             </a:extLst>
           </p:cNvPr>
@@ -9317,7 +9357,7 @@
           <p:cNvPr id="24577" name="Picture 4" descr="A screenshot of www.wa4e.com/code/css/include.htm. HIghlighted text read as &quot;By putting the CSS rules into a separate file, it can be included many different web pages with a single &quot;link&quot; tag, usually in the &quot;head&quot; of the document. Now that we have seen the three ways to indicate CSS styles in your HTML, we we will look some HTML tags whose sole purpose is to -&gt; mark text so we can apply styling to the text or block.&quot;">
             <a:extLst>
               <a:ext uri="{FF2B5EF4-FFF2-40B4-BE49-F238E27FC236}">
-                <a16:creationId xmlns:a16="http://schemas.microsoft.com/office/drawing/2014/main" id="{6719FDDB-9263-5141-9684-87ADC774D63B}"/>
+                <a16:creationId xmlns:a16="http://schemas.microsoft.com/office/drawing/2014/main" xmlns="" id="{6719FDDB-9263-5141-9684-87ADC774D63B}"/>
               </a:ext>
             </a:extLst>
           </p:cNvPr>
@@ -9330,7 +9370,7 @@
           <a:blip r:embed="rId3">
             <a:extLst>
               <a:ext uri="{28A0092B-C50C-407E-A947-70E740481C1C}">
-                <a14:useLocalDpi xmlns:a14="http://schemas.microsoft.com/office/drawing/2010/main" val="0"/>
+                <a14:useLocalDpi xmlns:a14="http://schemas.microsoft.com/office/drawing/2010/main" xmlns="" val="0"/>
               </a:ext>
             </a:extLst>
           </a:blip>
@@ -9353,14 +9393,14 @@
           </a:ln>
           <a:extLst>
             <a:ext uri="{909E8E84-426E-40DD-AFC4-6F175D3DCCD1}">
-              <a14:hiddenFill xmlns:a14="http://schemas.microsoft.com/office/drawing/2010/main">
+              <a14:hiddenFill xmlns:a14="http://schemas.microsoft.com/office/drawing/2010/main" xmlns="">
                 <a:solidFill>
                   <a:srgbClr val="FFFFFF"/>
                 </a:solidFill>
               </a14:hiddenFill>
             </a:ext>
             <a:ext uri="{91240B29-F687-4F45-9708-019B960494DF}">
-              <a14:hiddenLine xmlns:a14="http://schemas.microsoft.com/office/drawing/2010/main" w="9525">
+              <a14:hiddenLine xmlns:a14="http://schemas.microsoft.com/office/drawing/2010/main" xmlns="" w="9525">
                 <a:solidFill>
                   <a:srgbClr val="000000"/>
                 </a:solidFill>
@@ -9402,7 +9442,7 @@
           <p:cNvPr id="2" name="Title 1" hidden="1">
             <a:extLst>
               <a:ext uri="{FF2B5EF4-FFF2-40B4-BE49-F238E27FC236}">
-                <a16:creationId xmlns:a16="http://schemas.microsoft.com/office/drawing/2014/main" id="{8C4F7AAA-6E20-2845-AF89-DB31616815D3}"/>
+                <a16:creationId xmlns:a16="http://schemas.microsoft.com/office/drawing/2014/main" xmlns="" id="{8C4F7AAA-6E20-2845-AF89-DB31616815D3}"/>
               </a:ext>
             </a:extLst>
           </p:cNvPr>
@@ -9431,7 +9471,7 @@
           <p:cNvPr id="25601" name="Picture 4" descr="Screenshot of www.wa4e.com/code/css/rules.css. ">
             <a:extLst>
               <a:ext uri="{FF2B5EF4-FFF2-40B4-BE49-F238E27FC236}">
-                <a16:creationId xmlns:a16="http://schemas.microsoft.com/office/drawing/2014/main" id="{DD6D627E-9E0C-AF48-9812-2E6D1082C6BC}"/>
+                <a16:creationId xmlns:a16="http://schemas.microsoft.com/office/drawing/2014/main" xmlns="" id="{DD6D627E-9E0C-AF48-9812-2E6D1082C6BC}"/>
               </a:ext>
             </a:extLst>
           </p:cNvPr>
@@ -9444,7 +9484,7 @@
           <a:blip r:embed="rId3">
             <a:extLst>
               <a:ext uri="{28A0092B-C50C-407E-A947-70E740481C1C}">
-                <a14:useLocalDpi xmlns:a14="http://schemas.microsoft.com/office/drawing/2010/main" val="0"/>
+                <a14:useLocalDpi xmlns:a14="http://schemas.microsoft.com/office/drawing/2010/main" xmlns="" val="0"/>
               </a:ext>
             </a:extLst>
           </a:blip>
@@ -9467,14 +9507,14 @@
           </a:ln>
           <a:extLst>
             <a:ext uri="{909E8E84-426E-40DD-AFC4-6F175D3DCCD1}">
-              <a14:hiddenFill xmlns:a14="http://schemas.microsoft.com/office/drawing/2010/main">
+              <a14:hiddenFill xmlns:a14="http://schemas.microsoft.com/office/drawing/2010/main" xmlns="">
                 <a:solidFill>
                   <a:srgbClr val="FFFFFF"/>
                 </a:solidFill>
               </a14:hiddenFill>
             </a:ext>
             <a:ext uri="{91240B29-F687-4F45-9708-019B960494DF}">
-              <a14:hiddenLine xmlns:a14="http://schemas.microsoft.com/office/drawing/2010/main" w="9525">
+              <a14:hiddenLine xmlns:a14="http://schemas.microsoft.com/office/drawing/2010/main" xmlns="" w="9525">
                 <a:solidFill>
                   <a:srgbClr val="000000"/>
                 </a:solidFill>
@@ -9516,7 +9556,7 @@
           <p:cNvPr id="5121" name="Rectangle 1">
             <a:extLst>
               <a:ext uri="{FF2B5EF4-FFF2-40B4-BE49-F238E27FC236}">
-                <a16:creationId xmlns:a16="http://schemas.microsoft.com/office/drawing/2014/main" id="{258238C8-3D23-DF42-85C5-51C7C6CD8F4C}"/>
+                <a16:creationId xmlns:a16="http://schemas.microsoft.com/office/drawing/2014/main" xmlns="" id="{258238C8-3D23-DF42-85C5-51C7C6CD8F4C}"/>
               </a:ext>
             </a:extLst>
           </p:cNvPr>
@@ -9554,7 +9594,7 @@
           <p:cNvPr id="5122" name="Rectangle 2">
             <a:extLst>
               <a:ext uri="{FF2B5EF4-FFF2-40B4-BE49-F238E27FC236}">
-                <a16:creationId xmlns:a16="http://schemas.microsoft.com/office/drawing/2014/main" id="{EE216670-B966-D640-8674-45F1CC94BDA1}"/>
+                <a16:creationId xmlns:a16="http://schemas.microsoft.com/office/drawing/2014/main" xmlns="" id="{EE216670-B966-D640-8674-45F1CC94BDA1}"/>
               </a:ext>
             </a:extLst>
           </p:cNvPr>
@@ -9599,7 +9639,7 @@
           <p:cNvPr id="5123" name="Picture 6" descr="CCBY license">
             <a:extLst>
               <a:ext uri="{FF2B5EF4-FFF2-40B4-BE49-F238E27FC236}">
-                <a16:creationId xmlns:a16="http://schemas.microsoft.com/office/drawing/2014/main" id="{44BF539B-DCFF-BF40-B33F-15A09B3DDED1}"/>
+                <a16:creationId xmlns:a16="http://schemas.microsoft.com/office/drawing/2014/main" xmlns="" id="{44BF539B-DCFF-BF40-B33F-15A09B3DDED1}"/>
               </a:ext>
             </a:extLst>
           </p:cNvPr>
@@ -9612,7 +9652,7 @@
           <a:blip r:embed="rId3">
             <a:extLst>
               <a:ext uri="{28A0092B-C50C-407E-A947-70E740481C1C}">
-                <a14:useLocalDpi xmlns:a14="http://schemas.microsoft.com/office/drawing/2010/main" val="0"/>
+                <a14:useLocalDpi xmlns:a14="http://schemas.microsoft.com/office/drawing/2010/main" xmlns="" val="0"/>
               </a:ext>
             </a:extLst>
           </a:blip>
@@ -9635,14 +9675,14 @@
           </a:ln>
           <a:extLst>
             <a:ext uri="{909E8E84-426E-40DD-AFC4-6F175D3DCCD1}">
-              <a14:hiddenFill xmlns:a14="http://schemas.microsoft.com/office/drawing/2010/main">
+              <a14:hiddenFill xmlns:a14="http://schemas.microsoft.com/office/drawing/2010/main" xmlns="">
                 <a:solidFill>
                   <a:srgbClr val="FFFFFF"/>
                 </a:solidFill>
               </a14:hiddenFill>
             </a:ext>
             <a:ext uri="{91240B29-F687-4F45-9708-019B960494DF}">
-              <a14:hiddenLine xmlns:a14="http://schemas.microsoft.com/office/drawing/2010/main" w="9525">
+              <a14:hiddenLine xmlns:a14="http://schemas.microsoft.com/office/drawing/2010/main" xmlns="" w="9525">
                 <a:solidFill>
                   <a:srgbClr val="000000"/>
                 </a:solidFill>
@@ -9659,7 +9699,7 @@
           <p:cNvPr id="5124" name="Rectangle 1">
             <a:extLst>
               <a:ext uri="{FF2B5EF4-FFF2-40B4-BE49-F238E27FC236}">
-                <a16:creationId xmlns:a16="http://schemas.microsoft.com/office/drawing/2014/main" id="{4A6D0F3A-828F-FB47-84F6-161C909DB9A1}"/>
+                <a16:creationId xmlns:a16="http://schemas.microsoft.com/office/drawing/2014/main" xmlns="" id="{4A6D0F3A-828F-FB47-84F6-161C909DB9A1}"/>
               </a:ext>
             </a:extLst>
           </p:cNvPr>
@@ -9682,14 +9722,14 @@
           </a:ln>
           <a:extLst>
             <a:ext uri="{909E8E84-426E-40DD-AFC4-6F175D3DCCD1}">
-              <a14:hiddenFill xmlns:a14="http://schemas.microsoft.com/office/drawing/2010/main">
+              <a14:hiddenFill xmlns:a14="http://schemas.microsoft.com/office/drawing/2010/main" xmlns="">
                 <a:solidFill>
                   <a:srgbClr val="FFFFFF"/>
                 </a:solidFill>
               </a14:hiddenFill>
             </a:ext>
             <a:ext uri="{91240B29-F687-4F45-9708-019B960494DF}">
-              <a14:hiddenLine xmlns:a14="http://schemas.microsoft.com/office/drawing/2010/main" w="9525">
+              <a14:hiddenLine xmlns:a14="http://schemas.microsoft.com/office/drawing/2010/main" xmlns="" w="9525">
                 <a:solidFill>
                   <a:srgbClr val="000000"/>
                 </a:solidFill>
@@ -9859,7 +9899,7 @@
           <p:cNvPr id="26625" name="TextBox 2">
             <a:extLst>
               <a:ext uri="{FF2B5EF4-FFF2-40B4-BE49-F238E27FC236}">
-                <a16:creationId xmlns:a16="http://schemas.microsoft.com/office/drawing/2014/main" id="{04A49D88-FC05-C24A-990A-A8AC01CC14EE}"/>
+                <a16:creationId xmlns:a16="http://schemas.microsoft.com/office/drawing/2014/main" xmlns="" id="{04A49D88-FC05-C24A-990A-A8AC01CC14EE}"/>
               </a:ext>
             </a:extLst>
           </p:cNvPr>
@@ -9882,14 +9922,14 @@
           </a:ln>
           <a:extLst>
             <a:ext uri="{909E8E84-426E-40DD-AFC4-6F175D3DCCD1}">
-              <a14:hiddenFill xmlns:a14="http://schemas.microsoft.com/office/drawing/2010/main">
+              <a14:hiddenFill xmlns:a14="http://schemas.microsoft.com/office/drawing/2010/main" xmlns="">
                 <a:solidFill>
                   <a:srgbClr val="FFFFFF"/>
                 </a:solidFill>
               </a14:hiddenFill>
             </a:ext>
             <a:ext uri="{91240B29-F687-4F45-9708-019B960494DF}">
-              <a14:hiddenLine xmlns:a14="http://schemas.microsoft.com/office/drawing/2010/main" w="9525">
+              <a14:hiddenLine xmlns:a14="http://schemas.microsoft.com/office/drawing/2010/main" xmlns="" w="9525">
                 <a:solidFill>
                   <a:srgbClr val="000000"/>
                 </a:solidFill>
@@ -10959,7 +10999,7 @@
           <p:cNvPr id="26626" name="Title 1">
             <a:extLst>
               <a:ext uri="{FF2B5EF4-FFF2-40B4-BE49-F238E27FC236}">
-                <a16:creationId xmlns:a16="http://schemas.microsoft.com/office/drawing/2014/main" id="{8F700C5A-5C74-4C4B-8566-C8B6D40C86BB}"/>
+                <a16:creationId xmlns:a16="http://schemas.microsoft.com/office/drawing/2014/main" xmlns="" id="{8F700C5A-5C74-4C4B-8566-C8B6D40C86BB}"/>
               </a:ext>
             </a:extLst>
           </p:cNvPr>
@@ -11021,7 +11061,7 @@
           <p:cNvPr id="2" name="Title 1" hidden="1">
             <a:extLst>
               <a:ext uri="{FF2B5EF4-FFF2-40B4-BE49-F238E27FC236}">
-                <a16:creationId xmlns:a16="http://schemas.microsoft.com/office/drawing/2014/main" id="{C4CC9849-7250-5E44-801F-63442D94DC41}"/>
+                <a16:creationId xmlns:a16="http://schemas.microsoft.com/office/drawing/2014/main" xmlns="" id="{C4CC9849-7250-5E44-801F-63442D94DC41}"/>
               </a:ext>
             </a:extLst>
           </p:cNvPr>
@@ -11050,7 +11090,7 @@
           <p:cNvPr id="27649" name="TextBox 2">
             <a:extLst>
               <a:ext uri="{FF2B5EF4-FFF2-40B4-BE49-F238E27FC236}">
-                <a16:creationId xmlns:a16="http://schemas.microsoft.com/office/drawing/2014/main" id="{795B39B7-3A9F-1E45-8A15-DC28191724DA}"/>
+                <a16:creationId xmlns:a16="http://schemas.microsoft.com/office/drawing/2014/main" xmlns="" id="{795B39B7-3A9F-1E45-8A15-DC28191724DA}"/>
               </a:ext>
             </a:extLst>
           </p:cNvPr>
@@ -11073,14 +11113,14 @@
           </a:ln>
           <a:extLst>
             <a:ext uri="{909E8E84-426E-40DD-AFC4-6F175D3DCCD1}">
-              <a14:hiddenFill xmlns:a14="http://schemas.microsoft.com/office/drawing/2010/main">
+              <a14:hiddenFill xmlns:a14="http://schemas.microsoft.com/office/drawing/2010/main" xmlns="">
                 <a:solidFill>
                   <a:srgbClr val="FFFFFF"/>
                 </a:solidFill>
               </a14:hiddenFill>
             </a:ext>
             <a:ext uri="{91240B29-F687-4F45-9708-019B960494DF}">
-              <a14:hiddenLine xmlns:a14="http://schemas.microsoft.com/office/drawing/2010/main" w="9525">
+              <a14:hiddenLine xmlns:a14="http://schemas.microsoft.com/office/drawing/2010/main" xmlns="" w="9525">
                 <a:solidFill>
                   <a:srgbClr val="000000"/>
                 </a:solidFill>
@@ -12213,10 +12253,10 @@
           <p:cNvPr id="27650" name="Picture 1">
             <a:extLst>
               <a:ext uri="{FF2B5EF4-FFF2-40B4-BE49-F238E27FC236}">
-                <a16:creationId xmlns:a16="http://schemas.microsoft.com/office/drawing/2014/main" id="{AEDE7506-2FFF-634A-A3A9-15BDEB3AE349}"/>
+                <a16:creationId xmlns:a16="http://schemas.microsoft.com/office/drawing/2014/main" xmlns="" id="{AEDE7506-2FFF-634A-A3A9-15BDEB3AE349}"/>
               </a:ext>
               <a:ext uri="{C183D7F6-B498-43B3-948B-1728B52AA6E4}">
-                <adec:decorative xmlns:adec="http://schemas.microsoft.com/office/drawing/2017/decorative" val="1"/>
+                <adec:decorative xmlns:adec="http://schemas.microsoft.com/office/drawing/2017/decorative" xmlns="" val="1"/>
               </a:ext>
             </a:extLst>
           </p:cNvPr>
@@ -12229,7 +12269,7 @@
           <a:blip r:embed="rId3">
             <a:extLst>
               <a:ext uri="{28A0092B-C50C-407E-A947-70E740481C1C}">
-                <a14:useLocalDpi xmlns:a14="http://schemas.microsoft.com/office/drawing/2010/main" val="0"/>
+                <a14:useLocalDpi xmlns:a14="http://schemas.microsoft.com/office/drawing/2010/main" xmlns="" val="0"/>
               </a:ext>
             </a:extLst>
           </a:blip>
@@ -12252,14 +12292,14 @@
           </a:ln>
           <a:extLst>
             <a:ext uri="{909E8E84-426E-40DD-AFC4-6F175D3DCCD1}">
-              <a14:hiddenFill xmlns:a14="http://schemas.microsoft.com/office/drawing/2010/main">
+              <a14:hiddenFill xmlns:a14="http://schemas.microsoft.com/office/drawing/2010/main" xmlns="">
                 <a:solidFill>
                   <a:srgbClr val="FFFFFF"/>
                 </a:solidFill>
               </a14:hiddenFill>
             </a:ext>
             <a:ext uri="{91240B29-F687-4F45-9708-019B960494DF}">
-              <a14:hiddenLine xmlns:a14="http://schemas.microsoft.com/office/drawing/2010/main" w="9525">
+              <a14:hiddenLine xmlns:a14="http://schemas.microsoft.com/office/drawing/2010/main" xmlns="" w="9525">
                 <a:solidFill>
                   <a:srgbClr val="000000"/>
                 </a:solidFill>
@@ -12301,7 +12341,7 @@
           <p:cNvPr id="2" name="Title 1" hidden="1">
             <a:extLst>
               <a:ext uri="{FF2B5EF4-FFF2-40B4-BE49-F238E27FC236}">
-                <a16:creationId xmlns:a16="http://schemas.microsoft.com/office/drawing/2014/main" id="{91C489D4-0387-734F-B580-FFCD24A7E4BE}"/>
+                <a16:creationId xmlns:a16="http://schemas.microsoft.com/office/drawing/2014/main" xmlns="" id="{91C489D4-0387-734F-B580-FFCD24A7E4BE}"/>
               </a:ext>
             </a:extLst>
           </p:cNvPr>
@@ -12330,7 +12370,7 @@
           <p:cNvPr id="28673" name="Picture 1" descr="screenshot of code">
             <a:extLst>
               <a:ext uri="{FF2B5EF4-FFF2-40B4-BE49-F238E27FC236}">
-                <a16:creationId xmlns:a16="http://schemas.microsoft.com/office/drawing/2014/main" id="{6E3F0DC7-E1D0-AF4B-BDBF-4FF19EC0B82A}"/>
+                <a16:creationId xmlns:a16="http://schemas.microsoft.com/office/drawing/2014/main" xmlns="" id="{6E3F0DC7-E1D0-AF4B-BDBF-4FF19EC0B82A}"/>
               </a:ext>
             </a:extLst>
           </p:cNvPr>
@@ -12343,7 +12383,7 @@
           <a:blip r:embed="rId3">
             <a:extLst>
               <a:ext uri="{28A0092B-C50C-407E-A947-70E740481C1C}">
-                <a14:useLocalDpi xmlns:a14="http://schemas.microsoft.com/office/drawing/2010/main" val="0"/>
+                <a14:useLocalDpi xmlns:a14="http://schemas.microsoft.com/office/drawing/2010/main" xmlns="" val="0"/>
               </a:ext>
             </a:extLst>
           </a:blip>
@@ -12366,14 +12406,14 @@
           </a:ln>
           <a:extLst>
             <a:ext uri="{909E8E84-426E-40DD-AFC4-6F175D3DCCD1}">
-              <a14:hiddenFill xmlns:a14="http://schemas.microsoft.com/office/drawing/2010/main">
+              <a14:hiddenFill xmlns:a14="http://schemas.microsoft.com/office/drawing/2010/main" xmlns="">
                 <a:solidFill>
                   <a:srgbClr val="FFFFFF"/>
                 </a:solidFill>
               </a14:hiddenFill>
             </a:ext>
             <a:ext uri="{91240B29-F687-4F45-9708-019B960494DF}">
-              <a14:hiddenLine xmlns:a14="http://schemas.microsoft.com/office/drawing/2010/main" w="9525">
+              <a14:hiddenLine xmlns:a14="http://schemas.microsoft.com/office/drawing/2010/main" xmlns="" w="9525">
                 <a:solidFill>
                   <a:srgbClr val="000000"/>
                 </a:solidFill>
@@ -12390,7 +12430,7 @@
           <p:cNvPr id="28674" name="Picture 2" descr="screenshot of code">
             <a:extLst>
               <a:ext uri="{FF2B5EF4-FFF2-40B4-BE49-F238E27FC236}">
-                <a16:creationId xmlns:a16="http://schemas.microsoft.com/office/drawing/2014/main" id="{5A8C5373-BA40-DB47-92A8-1AD965603E03}"/>
+                <a16:creationId xmlns:a16="http://schemas.microsoft.com/office/drawing/2014/main" xmlns="" id="{5A8C5373-BA40-DB47-92A8-1AD965603E03}"/>
               </a:ext>
             </a:extLst>
           </p:cNvPr>
@@ -12403,7 +12443,7 @@
           <a:blip r:embed="rId4">
             <a:extLst>
               <a:ext uri="{28A0092B-C50C-407E-A947-70E740481C1C}">
-                <a14:useLocalDpi xmlns:a14="http://schemas.microsoft.com/office/drawing/2010/main" val="0"/>
+                <a14:useLocalDpi xmlns:a14="http://schemas.microsoft.com/office/drawing/2010/main" xmlns="" val="0"/>
               </a:ext>
             </a:extLst>
           </a:blip>
@@ -12426,14 +12466,14 @@
           </a:ln>
           <a:extLst>
             <a:ext uri="{909E8E84-426E-40DD-AFC4-6F175D3DCCD1}">
-              <a14:hiddenFill xmlns:a14="http://schemas.microsoft.com/office/drawing/2010/main">
+              <a14:hiddenFill xmlns:a14="http://schemas.microsoft.com/office/drawing/2010/main" xmlns="">
                 <a:solidFill>
                   <a:srgbClr val="FFFFFF"/>
                 </a:solidFill>
               </a14:hiddenFill>
             </a:ext>
             <a:ext uri="{91240B29-F687-4F45-9708-019B960494DF}">
-              <a14:hiddenLine xmlns:a14="http://schemas.microsoft.com/office/drawing/2010/main" w="9525">
+              <a14:hiddenLine xmlns:a14="http://schemas.microsoft.com/office/drawing/2010/main" xmlns="" w="9525">
                 <a:solidFill>
                   <a:srgbClr val="000000"/>
                 </a:solidFill>
@@ -12475,7 +12515,7 @@
           <p:cNvPr id="2" name="Title 1" hidden="1">
             <a:extLst>
               <a:ext uri="{FF2B5EF4-FFF2-40B4-BE49-F238E27FC236}">
-                <a16:creationId xmlns:a16="http://schemas.microsoft.com/office/drawing/2014/main" id="{8D5CD61E-7FC7-9145-8D7E-553F1140DFE3}"/>
+                <a16:creationId xmlns:a16="http://schemas.microsoft.com/office/drawing/2014/main" xmlns="" id="{8D5CD61E-7FC7-9145-8D7E-553F1140DFE3}"/>
               </a:ext>
             </a:extLst>
           </p:cNvPr>
@@ -12504,7 +12544,7 @@
           <p:cNvPr id="29697" name="Picture 1" descr="screenshot of code">
             <a:extLst>
               <a:ext uri="{FF2B5EF4-FFF2-40B4-BE49-F238E27FC236}">
-                <a16:creationId xmlns:a16="http://schemas.microsoft.com/office/drawing/2014/main" id="{34A70C93-D70C-D54C-A423-0016BC347AAE}"/>
+                <a16:creationId xmlns:a16="http://schemas.microsoft.com/office/drawing/2014/main" xmlns="" id="{34A70C93-D70C-D54C-A423-0016BC347AAE}"/>
               </a:ext>
             </a:extLst>
           </p:cNvPr>
@@ -12517,7 +12557,7 @@
           <a:blip r:embed="rId3">
             <a:extLst>
               <a:ext uri="{28A0092B-C50C-407E-A947-70E740481C1C}">
-                <a14:useLocalDpi xmlns:a14="http://schemas.microsoft.com/office/drawing/2010/main" val="0"/>
+                <a14:useLocalDpi xmlns:a14="http://schemas.microsoft.com/office/drawing/2010/main" xmlns="" val="0"/>
               </a:ext>
             </a:extLst>
           </a:blip>
@@ -12540,14 +12580,14 @@
           </a:ln>
           <a:extLst>
             <a:ext uri="{909E8E84-426E-40DD-AFC4-6F175D3DCCD1}">
-              <a14:hiddenFill xmlns:a14="http://schemas.microsoft.com/office/drawing/2010/main">
+              <a14:hiddenFill xmlns:a14="http://schemas.microsoft.com/office/drawing/2010/main" xmlns="">
                 <a:solidFill>
                   <a:srgbClr val="FFFFFF"/>
                 </a:solidFill>
               </a14:hiddenFill>
             </a:ext>
             <a:ext uri="{91240B29-F687-4F45-9708-019B960494DF}">
-              <a14:hiddenLine xmlns:a14="http://schemas.microsoft.com/office/drawing/2010/main" w="9525">
+              <a14:hiddenLine xmlns:a14="http://schemas.microsoft.com/office/drawing/2010/main" xmlns="" w="9525">
                 <a:solidFill>
                   <a:srgbClr val="000000"/>
                 </a:solidFill>
@@ -12564,7 +12604,7 @@
           <p:cNvPr id="29698" name="Picture 2" descr="screenshot of code">
             <a:extLst>
               <a:ext uri="{FF2B5EF4-FFF2-40B4-BE49-F238E27FC236}">
-                <a16:creationId xmlns:a16="http://schemas.microsoft.com/office/drawing/2014/main" id="{0A8C8F66-CFA2-FF4E-93A4-022BD0BAA7DE}"/>
+                <a16:creationId xmlns:a16="http://schemas.microsoft.com/office/drawing/2014/main" xmlns="" id="{0A8C8F66-CFA2-FF4E-93A4-022BD0BAA7DE}"/>
               </a:ext>
             </a:extLst>
           </p:cNvPr>
@@ -12577,7 +12617,7 @@
           <a:blip r:embed="rId4">
             <a:extLst>
               <a:ext uri="{28A0092B-C50C-407E-A947-70E740481C1C}">
-                <a14:useLocalDpi xmlns:a14="http://schemas.microsoft.com/office/drawing/2010/main" val="0"/>
+                <a14:useLocalDpi xmlns:a14="http://schemas.microsoft.com/office/drawing/2010/main" xmlns="" val="0"/>
               </a:ext>
             </a:extLst>
           </a:blip>
@@ -12600,14 +12640,14 @@
           </a:ln>
           <a:extLst>
             <a:ext uri="{909E8E84-426E-40DD-AFC4-6F175D3DCCD1}">
-              <a14:hiddenFill xmlns:a14="http://schemas.microsoft.com/office/drawing/2010/main">
+              <a14:hiddenFill xmlns:a14="http://schemas.microsoft.com/office/drawing/2010/main" xmlns="">
                 <a:solidFill>
                   <a:srgbClr val="FFFFFF"/>
                 </a:solidFill>
               </a14:hiddenFill>
             </a:ext>
             <a:ext uri="{91240B29-F687-4F45-9708-019B960494DF}">
-              <a14:hiddenLine xmlns:a14="http://schemas.microsoft.com/office/drawing/2010/main" w="9525">
+              <a14:hiddenLine xmlns:a14="http://schemas.microsoft.com/office/drawing/2010/main" xmlns="" w="9525">
                 <a:solidFill>
                   <a:srgbClr val="000000"/>
                 </a:solidFill>
@@ -12624,7 +12664,7 @@
           <p:cNvPr id="29699" name="Picture 3" descr="screenshot of code">
             <a:extLst>
               <a:ext uri="{FF2B5EF4-FFF2-40B4-BE49-F238E27FC236}">
-                <a16:creationId xmlns:a16="http://schemas.microsoft.com/office/drawing/2014/main" id="{5C80DAA9-721B-EB41-9DAC-12187834795F}"/>
+                <a16:creationId xmlns:a16="http://schemas.microsoft.com/office/drawing/2014/main" xmlns="" id="{5C80DAA9-721B-EB41-9DAC-12187834795F}"/>
               </a:ext>
             </a:extLst>
           </p:cNvPr>
@@ -12637,7 +12677,7 @@
           <a:blip r:embed="rId5">
             <a:extLst>
               <a:ext uri="{28A0092B-C50C-407E-A947-70E740481C1C}">
-                <a14:useLocalDpi xmlns:a14="http://schemas.microsoft.com/office/drawing/2010/main" val="0"/>
+                <a14:useLocalDpi xmlns:a14="http://schemas.microsoft.com/office/drawing/2010/main" xmlns="" val="0"/>
               </a:ext>
             </a:extLst>
           </a:blip>
@@ -12660,14 +12700,14 @@
           </a:ln>
           <a:extLst>
             <a:ext uri="{909E8E84-426E-40DD-AFC4-6F175D3DCCD1}">
-              <a14:hiddenFill xmlns:a14="http://schemas.microsoft.com/office/drawing/2010/main">
+              <a14:hiddenFill xmlns:a14="http://schemas.microsoft.com/office/drawing/2010/main" xmlns="">
                 <a:solidFill>
                   <a:srgbClr val="FFFFFF"/>
                 </a:solidFill>
               </a14:hiddenFill>
             </a:ext>
             <a:ext uri="{91240B29-F687-4F45-9708-019B960494DF}">
-              <a14:hiddenLine xmlns:a14="http://schemas.microsoft.com/office/drawing/2010/main" w="9525">
+              <a14:hiddenLine xmlns:a14="http://schemas.microsoft.com/office/drawing/2010/main" xmlns="" w="9525">
                 <a:solidFill>
                   <a:srgbClr val="000000"/>
                 </a:solidFill>
@@ -12709,7 +12749,7 @@
           <p:cNvPr id="30721" name="Title 1">
             <a:extLst>
               <a:ext uri="{FF2B5EF4-FFF2-40B4-BE49-F238E27FC236}">
-                <a16:creationId xmlns:a16="http://schemas.microsoft.com/office/drawing/2014/main" id="{AE1E36D4-2E82-D74E-8C55-BA09C45C968A}"/>
+                <a16:creationId xmlns:a16="http://schemas.microsoft.com/office/drawing/2014/main" xmlns="" id="{AE1E36D4-2E82-D74E-8C55-BA09C45C968A}"/>
               </a:ext>
             </a:extLst>
           </p:cNvPr>
@@ -12766,7 +12806,7 @@
           <p:cNvPr id="2" name="Title 1" hidden="1">
             <a:extLst>
               <a:ext uri="{FF2B5EF4-FFF2-40B4-BE49-F238E27FC236}">
-                <a16:creationId xmlns:a16="http://schemas.microsoft.com/office/drawing/2014/main" id="{350F2FCB-8896-604C-8A23-5FDA1F154D9D}"/>
+                <a16:creationId xmlns:a16="http://schemas.microsoft.com/office/drawing/2014/main" xmlns="" id="{350F2FCB-8896-604C-8A23-5FDA1F154D9D}"/>
               </a:ext>
             </a:extLst>
           </p:cNvPr>
@@ -12795,7 +12835,7 @@
           <p:cNvPr id="31745" name="Picture 1" descr="Screenshot of www.wa4e.com/code/css/images.htm. ">
             <a:extLst>
               <a:ext uri="{FF2B5EF4-FFF2-40B4-BE49-F238E27FC236}">
-                <a16:creationId xmlns:a16="http://schemas.microsoft.com/office/drawing/2014/main" id="{5474EF59-55D4-4947-9FB6-C26973505359}"/>
+                <a16:creationId xmlns:a16="http://schemas.microsoft.com/office/drawing/2014/main" xmlns="" id="{5474EF59-55D4-4947-9FB6-C26973505359}"/>
               </a:ext>
             </a:extLst>
           </p:cNvPr>
@@ -12808,7 +12848,7 @@
           <a:blip r:embed="rId3">
             <a:extLst>
               <a:ext uri="{28A0092B-C50C-407E-A947-70E740481C1C}">
-                <a14:useLocalDpi xmlns:a14="http://schemas.microsoft.com/office/drawing/2010/main" val="0"/>
+                <a14:useLocalDpi xmlns:a14="http://schemas.microsoft.com/office/drawing/2010/main" xmlns="" val="0"/>
               </a:ext>
             </a:extLst>
           </a:blip>
@@ -12831,14 +12871,14 @@
           </a:ln>
           <a:extLst>
             <a:ext uri="{909E8E84-426E-40DD-AFC4-6F175D3DCCD1}">
-              <a14:hiddenFill xmlns:a14="http://schemas.microsoft.com/office/drawing/2010/main">
+              <a14:hiddenFill xmlns:a14="http://schemas.microsoft.com/office/drawing/2010/main" xmlns="">
                 <a:solidFill>
                   <a:srgbClr val="FFFFFF"/>
                 </a:solidFill>
               </a14:hiddenFill>
             </a:ext>
             <a:ext uri="{91240B29-F687-4F45-9708-019B960494DF}">
-              <a14:hiddenLine xmlns:a14="http://schemas.microsoft.com/office/drawing/2010/main" w="9525">
+              <a14:hiddenLine xmlns:a14="http://schemas.microsoft.com/office/drawing/2010/main" xmlns="" w="9525">
                 <a:solidFill>
                   <a:srgbClr val="000000"/>
                 </a:solidFill>
@@ -12855,7 +12895,7 @@
           <p:cNvPr id="31746" name="Picture 2" descr="Screenshot of code">
             <a:extLst>
               <a:ext uri="{FF2B5EF4-FFF2-40B4-BE49-F238E27FC236}">
-                <a16:creationId xmlns:a16="http://schemas.microsoft.com/office/drawing/2014/main" id="{8AF859F4-9EAD-374A-B44B-60BC9A54256E}"/>
+                <a16:creationId xmlns:a16="http://schemas.microsoft.com/office/drawing/2014/main" xmlns="" id="{8AF859F4-9EAD-374A-B44B-60BC9A54256E}"/>
               </a:ext>
             </a:extLst>
           </p:cNvPr>
@@ -12868,7 +12908,7 @@
           <a:blip r:embed="rId4">
             <a:extLst>
               <a:ext uri="{28A0092B-C50C-407E-A947-70E740481C1C}">
-                <a14:useLocalDpi xmlns:a14="http://schemas.microsoft.com/office/drawing/2010/main" val="0"/>
+                <a14:useLocalDpi xmlns:a14="http://schemas.microsoft.com/office/drawing/2010/main" xmlns="" val="0"/>
               </a:ext>
             </a:extLst>
           </a:blip>
@@ -12891,14 +12931,14 @@
           </a:ln>
           <a:extLst>
             <a:ext uri="{909E8E84-426E-40DD-AFC4-6F175D3DCCD1}">
-              <a14:hiddenFill xmlns:a14="http://schemas.microsoft.com/office/drawing/2010/main">
+              <a14:hiddenFill xmlns:a14="http://schemas.microsoft.com/office/drawing/2010/main" xmlns="">
                 <a:solidFill>
                   <a:srgbClr val="FFFFFF"/>
                 </a:solidFill>
               </a14:hiddenFill>
             </a:ext>
             <a:ext uri="{91240B29-F687-4F45-9708-019B960494DF}">
-              <a14:hiddenLine xmlns:a14="http://schemas.microsoft.com/office/drawing/2010/main" w="9525">
+              <a14:hiddenLine xmlns:a14="http://schemas.microsoft.com/office/drawing/2010/main" xmlns="" w="9525">
                 <a:solidFill>
                   <a:srgbClr val="000000"/>
                 </a:solidFill>
@@ -12940,7 +12980,7 @@
           <p:cNvPr id="32769" name="Shape 285">
             <a:extLst>
               <a:ext uri="{FF2B5EF4-FFF2-40B4-BE49-F238E27FC236}">
-                <a16:creationId xmlns:a16="http://schemas.microsoft.com/office/drawing/2014/main" id="{CF3AB8B9-4911-B24E-AF3A-69F62FE6D037}"/>
+                <a16:creationId xmlns:a16="http://schemas.microsoft.com/office/drawing/2014/main" xmlns="" id="{CF3AB8B9-4911-B24E-AF3A-69F62FE6D037}"/>
               </a:ext>
             </a:extLst>
           </p:cNvPr>
@@ -12972,7 +13012,7 @@
           <p:cNvPr id="32770" name="Shape 286">
             <a:extLst>
               <a:ext uri="{FF2B5EF4-FFF2-40B4-BE49-F238E27FC236}">
-                <a16:creationId xmlns:a16="http://schemas.microsoft.com/office/drawing/2014/main" id="{F5E49F26-3582-8D4D-9FCE-D7668DAC9D9F}"/>
+                <a16:creationId xmlns:a16="http://schemas.microsoft.com/office/drawing/2014/main" xmlns="" id="{F5E49F26-3582-8D4D-9FCE-D7668DAC9D9F}"/>
               </a:ext>
             </a:extLst>
           </p:cNvPr>
@@ -13013,7 +13053,7 @@
           <p:cNvPr id="32771" name="Shape 287">
             <a:extLst>
               <a:ext uri="{FF2B5EF4-FFF2-40B4-BE49-F238E27FC236}">
-                <a16:creationId xmlns:a16="http://schemas.microsoft.com/office/drawing/2014/main" id="{210527AB-7EC8-724C-97EE-F9EBAF69C19C}"/>
+                <a16:creationId xmlns:a16="http://schemas.microsoft.com/office/drawing/2014/main" xmlns="" id="{210527AB-7EC8-724C-97EE-F9EBAF69C19C}"/>
               </a:ext>
             </a:extLst>
           </p:cNvPr>
@@ -13036,14 +13076,14 @@
           </a:ln>
           <a:extLst>
             <a:ext uri="{909E8E84-426E-40DD-AFC4-6F175D3DCCD1}">
-              <a14:hiddenFill xmlns:a14="http://schemas.microsoft.com/office/drawing/2010/main">
+              <a14:hiddenFill xmlns:a14="http://schemas.microsoft.com/office/drawing/2010/main" xmlns="">
                 <a:solidFill>
                   <a:srgbClr val="FFFFFF"/>
                 </a:solidFill>
               </a14:hiddenFill>
             </a:ext>
             <a:ext uri="{91240B29-F687-4F45-9708-019B960494DF}">
-              <a14:hiddenLine xmlns:a14="http://schemas.microsoft.com/office/drawing/2010/main" w="12700">
+              <a14:hiddenLine xmlns:a14="http://schemas.microsoft.com/office/drawing/2010/main" xmlns="" w="12700">
                 <a:solidFill>
                   <a:srgbClr val="000000"/>
                 </a:solidFill>
@@ -13188,7 +13228,7 @@
           <p:cNvPr id="32772" name="Snapshot 2008-10-15 14-56-42.jpg" descr="Screenshot of color values">
             <a:extLst>
               <a:ext uri="{FF2B5EF4-FFF2-40B4-BE49-F238E27FC236}">
-                <a16:creationId xmlns:a16="http://schemas.microsoft.com/office/drawing/2014/main" id="{9F06BA2E-03DD-6047-AB11-8A03DFBAC5ED}"/>
+                <a16:creationId xmlns:a16="http://schemas.microsoft.com/office/drawing/2014/main" xmlns="" id="{9F06BA2E-03DD-6047-AB11-8A03DFBAC5ED}"/>
               </a:ext>
             </a:extLst>
           </p:cNvPr>
@@ -13201,7 +13241,7 @@
           <a:blip r:embed="rId2">
             <a:extLst>
               <a:ext uri="{28A0092B-C50C-407E-A947-70E740481C1C}">
-                <a14:useLocalDpi xmlns:a14="http://schemas.microsoft.com/office/drawing/2010/main" val="0"/>
+                <a14:useLocalDpi xmlns:a14="http://schemas.microsoft.com/office/drawing/2010/main" xmlns="" val="0"/>
               </a:ext>
             </a:extLst>
           </a:blip>
@@ -13224,14 +13264,14 @@
           </a:ln>
           <a:extLst>
             <a:ext uri="{909E8E84-426E-40DD-AFC4-6F175D3DCCD1}">
-              <a14:hiddenFill xmlns:a14="http://schemas.microsoft.com/office/drawing/2010/main">
+              <a14:hiddenFill xmlns:a14="http://schemas.microsoft.com/office/drawing/2010/main" xmlns="">
                 <a:solidFill>
                   <a:srgbClr val="FFFFFF"/>
                 </a:solidFill>
               </a14:hiddenFill>
             </a:ext>
             <a:ext uri="{91240B29-F687-4F45-9708-019B960494DF}">
-              <a14:hiddenLine xmlns:a14="http://schemas.microsoft.com/office/drawing/2010/main" w="12700">
+              <a14:hiddenLine xmlns:a14="http://schemas.microsoft.com/office/drawing/2010/main" xmlns="" w="12700">
                 <a:solidFill>
                   <a:srgbClr val="000000"/>
                 </a:solidFill>
@@ -13274,7 +13314,7 @@
           <p:cNvPr id="33793" name="Shape 290">
             <a:extLst>
               <a:ext uri="{FF2B5EF4-FFF2-40B4-BE49-F238E27FC236}">
-                <a16:creationId xmlns:a16="http://schemas.microsoft.com/office/drawing/2014/main" id="{0243F39A-2979-4A46-81EB-663DCBB4075E}"/>
+                <a16:creationId xmlns:a16="http://schemas.microsoft.com/office/drawing/2014/main" xmlns="" id="{0243F39A-2979-4A46-81EB-663DCBB4075E}"/>
               </a:ext>
             </a:extLst>
           </p:cNvPr>
@@ -13306,7 +13346,7 @@
           <p:cNvPr id="291" name="Shape 291">
             <a:extLst>
               <a:ext uri="{FF2B5EF4-FFF2-40B4-BE49-F238E27FC236}">
-                <a16:creationId xmlns:a16="http://schemas.microsoft.com/office/drawing/2014/main" id="{5801477D-D01D-DE42-9A2B-EDF48EF59322}"/>
+                <a16:creationId xmlns:a16="http://schemas.microsoft.com/office/drawing/2014/main" xmlns="" id="{5801477D-D01D-DE42-9A2B-EDF48EF59322}"/>
               </a:ext>
             </a:extLst>
           </p:cNvPr>
@@ -13394,7 +13434,7 @@
           <p:cNvPr id="33795" name="Snapshot 2007-09-26 06-29-00.jpg" descr="Screenshot of color panel and RGB sliders">
             <a:extLst>
               <a:ext uri="{FF2B5EF4-FFF2-40B4-BE49-F238E27FC236}">
-                <a16:creationId xmlns:a16="http://schemas.microsoft.com/office/drawing/2014/main" id="{87808D99-B496-8547-8EC0-D738931F7CF6}"/>
+                <a16:creationId xmlns:a16="http://schemas.microsoft.com/office/drawing/2014/main" xmlns="" id="{87808D99-B496-8547-8EC0-D738931F7CF6}"/>
               </a:ext>
             </a:extLst>
           </p:cNvPr>
@@ -13407,7 +13447,7 @@
           <a:blip r:embed="rId2">
             <a:extLst>
               <a:ext uri="{28A0092B-C50C-407E-A947-70E740481C1C}">
-                <a14:useLocalDpi xmlns:a14="http://schemas.microsoft.com/office/drawing/2010/main" val="0"/>
+                <a14:useLocalDpi xmlns:a14="http://schemas.microsoft.com/office/drawing/2010/main" xmlns="" val="0"/>
               </a:ext>
             </a:extLst>
           </a:blip>
@@ -13430,14 +13470,14 @@
           </a:ln>
           <a:extLst>
             <a:ext uri="{909E8E84-426E-40DD-AFC4-6F175D3DCCD1}">
-              <a14:hiddenFill xmlns:a14="http://schemas.microsoft.com/office/drawing/2010/main">
+              <a14:hiddenFill xmlns:a14="http://schemas.microsoft.com/office/drawing/2010/main" xmlns="">
                 <a:solidFill>
                   <a:srgbClr val="FFFFFF"/>
                 </a:solidFill>
               </a14:hiddenFill>
             </a:ext>
             <a:ext uri="{91240B29-F687-4F45-9708-019B960494DF}">
-              <a14:hiddenLine xmlns:a14="http://schemas.microsoft.com/office/drawing/2010/main" w="12700">
+              <a14:hiddenLine xmlns:a14="http://schemas.microsoft.com/office/drawing/2010/main" xmlns="" w="12700">
                 <a:solidFill>
                   <a:srgbClr val="000000"/>
                 </a:solidFill>
@@ -13454,7 +13494,7 @@
           <p:cNvPr id="33796" name="Shape 293">
             <a:extLst>
               <a:ext uri="{FF2B5EF4-FFF2-40B4-BE49-F238E27FC236}">
-                <a16:creationId xmlns:a16="http://schemas.microsoft.com/office/drawing/2014/main" id="{01E0EBF6-C6F1-7F43-902A-6E8F27CDFCE1}"/>
+                <a16:creationId xmlns:a16="http://schemas.microsoft.com/office/drawing/2014/main" xmlns="" id="{01E0EBF6-C6F1-7F43-902A-6E8F27CDFCE1}"/>
               </a:ext>
             </a:extLst>
           </p:cNvPr>
@@ -13477,14 +13517,14 @@
           </a:ln>
           <a:extLst>
             <a:ext uri="{909E8E84-426E-40DD-AFC4-6F175D3DCCD1}">
-              <a14:hiddenFill xmlns:a14="http://schemas.microsoft.com/office/drawing/2010/main">
+              <a14:hiddenFill xmlns:a14="http://schemas.microsoft.com/office/drawing/2010/main" xmlns="">
                 <a:solidFill>
                   <a:srgbClr val="FFFFFF"/>
                 </a:solidFill>
               </a14:hiddenFill>
             </a:ext>
             <a:ext uri="{91240B29-F687-4F45-9708-019B960494DF}">
-              <a14:hiddenLine xmlns:a14="http://schemas.microsoft.com/office/drawing/2010/main" w="12700">
+              <a14:hiddenLine xmlns:a14="http://schemas.microsoft.com/office/drawing/2010/main" xmlns="" w="12700">
                 <a:solidFill>
                   <a:srgbClr val="000000"/>
                 </a:solidFill>
@@ -13629,7 +13669,7 @@
           <p:cNvPr id="294" name="Shape 294">
             <a:extLst>
               <a:ext uri="{FF2B5EF4-FFF2-40B4-BE49-F238E27FC236}">
-                <a16:creationId xmlns:a16="http://schemas.microsoft.com/office/drawing/2014/main" id="{AFC1C1B7-9D12-FA43-BF13-39025EF415FF}"/>
+                <a16:creationId xmlns:a16="http://schemas.microsoft.com/office/drawing/2014/main" xmlns="" id="{AFC1C1B7-9D12-FA43-BF13-39025EF415FF}"/>
               </a:ext>
             </a:extLst>
           </p:cNvPr>
@@ -13788,7 +13828,7 @@
           <p:cNvPr id="33798" name="Snapshot 2007-09-26 06-33-23.png" descr="Screenshot of color name and color HEX. ">
             <a:extLst>
               <a:ext uri="{FF2B5EF4-FFF2-40B4-BE49-F238E27FC236}">
-                <a16:creationId xmlns:a16="http://schemas.microsoft.com/office/drawing/2014/main" id="{876A946A-6AB0-3A45-8082-85785BB75FB1}"/>
+                <a16:creationId xmlns:a16="http://schemas.microsoft.com/office/drawing/2014/main" xmlns="" id="{876A946A-6AB0-3A45-8082-85785BB75FB1}"/>
               </a:ext>
             </a:extLst>
           </p:cNvPr>
@@ -13801,7 +13841,7 @@
           <a:blip r:embed="rId3">
             <a:extLst>
               <a:ext uri="{28A0092B-C50C-407E-A947-70E740481C1C}">
-                <a14:useLocalDpi xmlns:a14="http://schemas.microsoft.com/office/drawing/2010/main" val="0"/>
+                <a14:useLocalDpi xmlns:a14="http://schemas.microsoft.com/office/drawing/2010/main" xmlns="" val="0"/>
               </a:ext>
             </a:extLst>
           </a:blip>
@@ -13824,14 +13864,14 @@
           </a:ln>
           <a:extLst>
             <a:ext uri="{909E8E84-426E-40DD-AFC4-6F175D3DCCD1}">
-              <a14:hiddenFill xmlns:a14="http://schemas.microsoft.com/office/drawing/2010/main">
+              <a14:hiddenFill xmlns:a14="http://schemas.microsoft.com/office/drawing/2010/main" xmlns="">
                 <a:solidFill>
                   <a:srgbClr val="FFFFFF"/>
                 </a:solidFill>
               </a14:hiddenFill>
             </a:ext>
             <a:ext uri="{91240B29-F687-4F45-9708-019B960494DF}">
-              <a14:hiddenLine xmlns:a14="http://schemas.microsoft.com/office/drawing/2010/main" w="12700">
+              <a14:hiddenLine xmlns:a14="http://schemas.microsoft.com/office/drawing/2010/main" xmlns="" w="12700">
                 <a:solidFill>
                   <a:srgbClr val="000000"/>
                 </a:solidFill>
@@ -13848,7 +13888,7 @@
           <p:cNvPr id="297" name="Shape 297">
             <a:extLst>
               <a:ext uri="{FF2B5EF4-FFF2-40B4-BE49-F238E27FC236}">
-                <a16:creationId xmlns:a16="http://schemas.microsoft.com/office/drawing/2014/main" id="{A8D4BE6C-ECBB-ED4B-AD89-ED13BFA4473F}"/>
+                <a16:creationId xmlns:a16="http://schemas.microsoft.com/office/drawing/2014/main" xmlns="" id="{A8D4BE6C-ECBB-ED4B-AD89-ED13BFA4473F}"/>
               </a:ext>
             </a:extLst>
           </p:cNvPr>
@@ -13924,7 +13964,7 @@
           <p:cNvPr id="33800" name="Shape 287">
             <a:extLst>
               <a:ext uri="{FF2B5EF4-FFF2-40B4-BE49-F238E27FC236}">
-                <a16:creationId xmlns:a16="http://schemas.microsoft.com/office/drawing/2014/main" id="{F202BAFF-5B2B-CB4A-A828-7EFDDD209968}"/>
+                <a16:creationId xmlns:a16="http://schemas.microsoft.com/office/drawing/2014/main" xmlns="" id="{F202BAFF-5B2B-CB4A-A828-7EFDDD209968}"/>
               </a:ext>
             </a:extLst>
           </p:cNvPr>
@@ -13947,14 +13987,14 @@
           </a:ln>
           <a:extLst>
             <a:ext uri="{909E8E84-426E-40DD-AFC4-6F175D3DCCD1}">
-              <a14:hiddenFill xmlns:a14="http://schemas.microsoft.com/office/drawing/2010/main">
+              <a14:hiddenFill xmlns:a14="http://schemas.microsoft.com/office/drawing/2010/main" xmlns="">
                 <a:solidFill>
                   <a:srgbClr val="FFFFFF"/>
                 </a:solidFill>
               </a14:hiddenFill>
             </a:ext>
             <a:ext uri="{91240B29-F687-4F45-9708-019B960494DF}">
-              <a14:hiddenLine xmlns:a14="http://schemas.microsoft.com/office/drawing/2010/main" w="12700">
+              <a14:hiddenLine xmlns:a14="http://schemas.microsoft.com/office/drawing/2010/main" xmlns="" w="12700">
                 <a:solidFill>
                   <a:srgbClr val="000000"/>
                 </a:solidFill>
@@ -14125,7 +14165,7 @@
           <p:cNvPr id="34820" name="Shape 301">
             <a:extLst>
               <a:ext uri="{FF2B5EF4-FFF2-40B4-BE49-F238E27FC236}">
-                <a16:creationId xmlns:a16="http://schemas.microsoft.com/office/drawing/2014/main" id="{DE7E78D1-5139-854C-8E25-AEAF89689DC5}"/>
+                <a16:creationId xmlns:a16="http://schemas.microsoft.com/office/drawing/2014/main" xmlns="" id="{DE7E78D1-5139-854C-8E25-AEAF89689DC5}"/>
               </a:ext>
             </a:extLst>
           </p:cNvPr>
@@ -14162,7 +14202,7 @@
           <p:cNvPr id="34817" name="Shape 302">
             <a:extLst>
               <a:ext uri="{FF2B5EF4-FFF2-40B4-BE49-F238E27FC236}">
-                <a16:creationId xmlns:a16="http://schemas.microsoft.com/office/drawing/2014/main" id="{F28C5580-3E45-9D4E-AC38-87944B02B9EC}"/>
+                <a16:creationId xmlns:a16="http://schemas.microsoft.com/office/drawing/2014/main" xmlns="" id="{F28C5580-3E45-9D4E-AC38-87944B02B9EC}"/>
               </a:ext>
             </a:extLst>
           </p:cNvPr>
@@ -14210,10 +14250,10 @@
           <p:cNvPr id="34818" name="Snapshot 2008-01-15 11-13-37.jpg">
             <a:extLst>
               <a:ext uri="{FF2B5EF4-FFF2-40B4-BE49-F238E27FC236}">
-                <a16:creationId xmlns:a16="http://schemas.microsoft.com/office/drawing/2014/main" id="{5D03EF48-4DD0-D24E-AAA2-4E3A9A7EE6D3}"/>
+                <a16:creationId xmlns:a16="http://schemas.microsoft.com/office/drawing/2014/main" xmlns="" id="{5D03EF48-4DD0-D24E-AAA2-4E3A9A7EE6D3}"/>
               </a:ext>
               <a:ext uri="{C183D7F6-B498-43B3-948B-1728B52AA6E4}">
-                <adec:decorative xmlns:adec="http://schemas.microsoft.com/office/drawing/2017/decorative" val="1"/>
+                <adec:decorative xmlns:adec="http://schemas.microsoft.com/office/drawing/2017/decorative" xmlns="" val="1"/>
               </a:ext>
             </a:extLst>
           </p:cNvPr>
@@ -14226,7 +14266,7 @@
           <a:blip r:embed="rId2">
             <a:extLst>
               <a:ext uri="{28A0092B-C50C-407E-A947-70E740481C1C}">
-                <a14:useLocalDpi xmlns:a14="http://schemas.microsoft.com/office/drawing/2010/main" val="0"/>
+                <a14:useLocalDpi xmlns:a14="http://schemas.microsoft.com/office/drawing/2010/main" xmlns="" val="0"/>
               </a:ext>
             </a:extLst>
           </a:blip>
@@ -14249,14 +14289,14 @@
           </a:ln>
           <a:extLst>
             <a:ext uri="{909E8E84-426E-40DD-AFC4-6F175D3DCCD1}">
-              <a14:hiddenFill xmlns:a14="http://schemas.microsoft.com/office/drawing/2010/main">
+              <a14:hiddenFill xmlns:a14="http://schemas.microsoft.com/office/drawing/2010/main" xmlns="">
                 <a:solidFill>
                   <a:srgbClr val="FFFFFF"/>
                 </a:solidFill>
               </a14:hiddenFill>
             </a:ext>
             <a:ext uri="{91240B29-F687-4F45-9708-019B960494DF}">
-              <a14:hiddenLine xmlns:a14="http://schemas.microsoft.com/office/drawing/2010/main" w="12700">
+              <a14:hiddenLine xmlns:a14="http://schemas.microsoft.com/office/drawing/2010/main" xmlns="" w="12700">
                 <a:solidFill>
                   <a:srgbClr val="000000"/>
                 </a:solidFill>
@@ -14273,10 +14313,10 @@
           <p:cNvPr id="34819" name="Snapshot 2008-01-15 11-14-54.png">
             <a:extLst>
               <a:ext uri="{FF2B5EF4-FFF2-40B4-BE49-F238E27FC236}">
-                <a16:creationId xmlns:a16="http://schemas.microsoft.com/office/drawing/2014/main" id="{12780BCE-1300-B24B-BC43-0E18227AC286}"/>
+                <a16:creationId xmlns:a16="http://schemas.microsoft.com/office/drawing/2014/main" xmlns="" id="{12780BCE-1300-B24B-BC43-0E18227AC286}"/>
               </a:ext>
               <a:ext uri="{C183D7F6-B498-43B3-948B-1728B52AA6E4}">
-                <adec:decorative xmlns:adec="http://schemas.microsoft.com/office/drawing/2017/decorative" val="1"/>
+                <adec:decorative xmlns:adec="http://schemas.microsoft.com/office/drawing/2017/decorative" xmlns="" val="1"/>
               </a:ext>
             </a:extLst>
           </p:cNvPr>
@@ -14289,7 +14329,7 @@
           <a:blip r:embed="rId3">
             <a:extLst>
               <a:ext uri="{28A0092B-C50C-407E-A947-70E740481C1C}">
-                <a14:useLocalDpi xmlns:a14="http://schemas.microsoft.com/office/drawing/2010/main" val="0"/>
+                <a14:useLocalDpi xmlns:a14="http://schemas.microsoft.com/office/drawing/2010/main" xmlns="" val="0"/>
               </a:ext>
             </a:extLst>
           </a:blip>
@@ -14312,14 +14352,14 @@
           </a:ln>
           <a:extLst>
             <a:ext uri="{909E8E84-426E-40DD-AFC4-6F175D3DCCD1}">
-              <a14:hiddenFill xmlns:a14="http://schemas.microsoft.com/office/drawing/2010/main">
+              <a14:hiddenFill xmlns:a14="http://schemas.microsoft.com/office/drawing/2010/main" xmlns="">
                 <a:solidFill>
                   <a:srgbClr val="FFFFFF"/>
                 </a:solidFill>
               </a14:hiddenFill>
             </a:ext>
             <a:ext uri="{91240B29-F687-4F45-9708-019B960494DF}">
-              <a14:hiddenLine xmlns:a14="http://schemas.microsoft.com/office/drawing/2010/main" w="12700">
+              <a14:hiddenLine xmlns:a14="http://schemas.microsoft.com/office/drawing/2010/main" xmlns="" w="12700">
                 <a:solidFill>
                   <a:srgbClr val="000000"/>
                 </a:solidFill>
@@ -14362,7 +14402,7 @@
           <p:cNvPr id="35841" name="Shape 307">
             <a:extLst>
               <a:ext uri="{FF2B5EF4-FFF2-40B4-BE49-F238E27FC236}">
-                <a16:creationId xmlns:a16="http://schemas.microsoft.com/office/drawing/2014/main" id="{F3129B06-3631-2F44-9EB4-6D2F79D6D4FA}"/>
+                <a16:creationId xmlns:a16="http://schemas.microsoft.com/office/drawing/2014/main" xmlns="" id="{F3129B06-3631-2F44-9EB4-6D2F79D6D4FA}"/>
               </a:ext>
             </a:extLst>
           </p:cNvPr>
@@ -14385,14 +14425,14 @@
           </a:ln>
           <a:extLst>
             <a:ext uri="{909E8E84-426E-40DD-AFC4-6F175D3DCCD1}">
-              <a14:hiddenFill xmlns:a14="http://schemas.microsoft.com/office/drawing/2010/main">
+              <a14:hiddenFill xmlns:a14="http://schemas.microsoft.com/office/drawing/2010/main" xmlns="">
                 <a:solidFill>
                   <a:srgbClr val="FFFFFF"/>
                 </a:solidFill>
               </a14:hiddenFill>
             </a:ext>
             <a:ext uri="{91240B29-F687-4F45-9708-019B960494DF}">
-              <a14:hiddenLine xmlns:a14="http://schemas.microsoft.com/office/drawing/2010/main" w="12700">
+              <a14:hiddenLine xmlns:a14="http://schemas.microsoft.com/office/drawing/2010/main" xmlns="" w="12700">
                 <a:solidFill>
                   <a:srgbClr val="000000"/>
                 </a:solidFill>
@@ -14562,10 +14602,10 @@
           <p:cNvPr id="308" name="Shape 308">
             <a:extLst>
               <a:ext uri="{FF2B5EF4-FFF2-40B4-BE49-F238E27FC236}">
-                <a16:creationId xmlns:a16="http://schemas.microsoft.com/office/drawing/2014/main" id="{DACE620A-4547-BD47-A830-C20CA4132006}"/>
+                <a16:creationId xmlns:a16="http://schemas.microsoft.com/office/drawing/2014/main" xmlns="" id="{DACE620A-4547-BD47-A830-C20CA4132006}"/>
               </a:ext>
               <a:ext uri="{C183D7F6-B498-43B3-948B-1728B52AA6E4}">
-                <adec:decorative xmlns:adec="http://schemas.microsoft.com/office/drawing/2017/decorative" val="1"/>
+                <adec:decorative xmlns:adec="http://schemas.microsoft.com/office/drawing/2017/decorative" xmlns="" val="1"/>
               </a:ext>
             </a:extLst>
           </p:cNvPr>
@@ -14608,7 +14648,7 @@
           <p:cNvPr id="309" name="Shape 309">
             <a:extLst>
               <a:ext uri="{FF2B5EF4-FFF2-40B4-BE49-F238E27FC236}">
-                <a16:creationId xmlns:a16="http://schemas.microsoft.com/office/drawing/2014/main" id="{121154E4-A767-594D-98C3-5F13757439E1}"/>
+                <a16:creationId xmlns:a16="http://schemas.microsoft.com/office/drawing/2014/main" xmlns="" id="{121154E4-A767-594D-98C3-5F13757439E1}"/>
               </a:ext>
             </a:extLst>
           </p:cNvPr>
@@ -14663,7 +14703,7 @@
           <p:cNvPr id="310" name="Shape 310">
             <a:extLst>
               <a:ext uri="{FF2B5EF4-FFF2-40B4-BE49-F238E27FC236}">
-                <a16:creationId xmlns:a16="http://schemas.microsoft.com/office/drawing/2014/main" id="{A7268276-45D2-0644-84A8-4162D65D81A2}"/>
+                <a16:creationId xmlns:a16="http://schemas.microsoft.com/office/drawing/2014/main" xmlns="" id="{A7268276-45D2-0644-84A8-4162D65D81A2}"/>
               </a:ext>
             </a:extLst>
           </p:cNvPr>
@@ -14718,7 +14758,7 @@
           <p:cNvPr id="311" name="Shape 311">
             <a:extLst>
               <a:ext uri="{FF2B5EF4-FFF2-40B4-BE49-F238E27FC236}">
-                <a16:creationId xmlns:a16="http://schemas.microsoft.com/office/drawing/2014/main" id="{28D0E403-EECC-6542-8DE5-D1D5EEFAD51A}"/>
+                <a16:creationId xmlns:a16="http://schemas.microsoft.com/office/drawing/2014/main" xmlns="" id="{28D0E403-EECC-6542-8DE5-D1D5EEFAD51A}"/>
               </a:ext>
             </a:extLst>
           </p:cNvPr>
@@ -14781,7 +14821,7 @@
           <p:cNvPr id="35846" name="Shape 301">
             <a:extLst>
               <a:ext uri="{FF2B5EF4-FFF2-40B4-BE49-F238E27FC236}">
-                <a16:creationId xmlns:a16="http://schemas.microsoft.com/office/drawing/2014/main" id="{99DE8A3F-5571-2D4B-90EF-D106FD5910F0}"/>
+                <a16:creationId xmlns:a16="http://schemas.microsoft.com/office/drawing/2014/main" xmlns="" id="{99DE8A3F-5571-2D4B-90EF-D106FD5910F0}"/>
               </a:ext>
             </a:extLst>
           </p:cNvPr>
@@ -14844,7 +14884,7 @@
           <p:cNvPr id="4" name="Title 3" hidden="1">
             <a:extLst>
               <a:ext uri="{FF2B5EF4-FFF2-40B4-BE49-F238E27FC236}">
-                <a16:creationId xmlns:a16="http://schemas.microsoft.com/office/drawing/2014/main" id="{BDEB9CEF-7F6B-404D-99FE-682DF3913D42}"/>
+                <a16:creationId xmlns:a16="http://schemas.microsoft.com/office/drawing/2014/main" xmlns="" id="{BDEB9CEF-7F6B-404D-99FE-682DF3913D42}"/>
               </a:ext>
             </a:extLst>
           </p:cNvPr>
@@ -14955,7 +14995,7 @@
           <p:cNvPr id="41" name="Google Shape;41;p2">
             <a:extLst>
               <a:ext uri="{C183D7F6-B498-43B3-948B-1728B52AA6E4}">
-                <adec:decorative xmlns:adec="http://schemas.microsoft.com/office/drawing/2017/decorative" val="1"/>
+                <adec:decorative xmlns:adec="http://schemas.microsoft.com/office/drawing/2017/decorative" xmlns="" val="1"/>
               </a:ext>
             </a:extLst>
           </p:cNvPr>
@@ -15185,7 +15225,7 @@
           <p:cNvPr id="45" name="Google Shape;45;p2">
             <a:extLst>
               <a:ext uri="{C183D7F6-B498-43B3-948B-1728B52AA6E4}">
-                <adec:decorative xmlns:adec="http://schemas.microsoft.com/office/drawing/2017/decorative" val="1"/>
+                <adec:decorative xmlns:adec="http://schemas.microsoft.com/office/drawing/2017/decorative" xmlns="" val="1"/>
               </a:ext>
             </a:extLst>
           </p:cNvPr>
@@ -15563,7 +15603,7 @@
           <p:cNvPr id="53" name="Google Shape;53;p2">
             <a:extLst>
               <a:ext uri="{C183D7F6-B498-43B3-948B-1728B52AA6E4}">
-                <adec:decorative xmlns:adec="http://schemas.microsoft.com/office/drawing/2017/decorative" val="1"/>
+                <adec:decorative xmlns:adec="http://schemas.microsoft.com/office/drawing/2017/decorative" xmlns="" val="1"/>
               </a:ext>
             </a:extLst>
           </p:cNvPr>
@@ -15881,7 +15921,7 @@
           <p:cNvPr id="60" name="Google Shape;60;p2">
             <a:extLst>
               <a:ext uri="{C183D7F6-B498-43B3-948B-1728B52AA6E4}">
-                <adec:decorative xmlns:adec="http://schemas.microsoft.com/office/drawing/2017/decorative" val="1"/>
+                <adec:decorative xmlns:adec="http://schemas.microsoft.com/office/drawing/2017/decorative" xmlns="" val="1"/>
               </a:ext>
             </a:extLst>
           </p:cNvPr>
@@ -16030,7 +16070,7 @@
           <p:cNvPr id="61" name="Google Shape;61;p2">
             <a:extLst>
               <a:ext uri="{C183D7F6-B498-43B3-948B-1728B52AA6E4}">
-                <adec:decorative xmlns:adec="http://schemas.microsoft.com/office/drawing/2017/decorative" val="1"/>
+                <adec:decorative xmlns:adec="http://schemas.microsoft.com/office/drawing/2017/decorative" xmlns="" val="1"/>
               </a:ext>
             </a:extLst>
           </p:cNvPr>
@@ -16609,7 +16649,7 @@
     </p:spTree>
     <p:extLst>
       <p:ext uri="{BB962C8B-B14F-4D97-AF65-F5344CB8AC3E}">
-        <p14:creationId xmlns:p14="http://schemas.microsoft.com/office/powerpoint/2010/main" val="2725544244"/>
+        <p14:creationId xmlns:p14="http://schemas.microsoft.com/office/powerpoint/2010/main" xmlns="" val="2725544244"/>
       </p:ext>
     </p:extLst>
   </p:cSld>
@@ -16641,7 +16681,7 @@
           <p:cNvPr id="36865" name="Shape 313">
             <a:extLst>
               <a:ext uri="{FF2B5EF4-FFF2-40B4-BE49-F238E27FC236}">
-                <a16:creationId xmlns:a16="http://schemas.microsoft.com/office/drawing/2014/main" id="{4FCB3A90-37F0-494A-AB5D-B49296A59BBA}"/>
+                <a16:creationId xmlns:a16="http://schemas.microsoft.com/office/drawing/2014/main" xmlns="" id="{4FCB3A90-37F0-494A-AB5D-B49296A59BBA}"/>
               </a:ext>
             </a:extLst>
           </p:cNvPr>
@@ -16673,7 +16713,7 @@
           <p:cNvPr id="314" name="Shape 314">
             <a:extLst>
               <a:ext uri="{FF2B5EF4-FFF2-40B4-BE49-F238E27FC236}">
-                <a16:creationId xmlns:a16="http://schemas.microsoft.com/office/drawing/2014/main" id="{AAA6FAEF-3FE3-9A41-ADB9-6DB00679AB5E}"/>
+                <a16:creationId xmlns:a16="http://schemas.microsoft.com/office/drawing/2014/main" xmlns="" id="{AAA6FAEF-3FE3-9A41-ADB9-6DB00679AB5E}"/>
               </a:ext>
             </a:extLst>
           </p:cNvPr>
@@ -16899,7 +16939,7 @@
           <p:cNvPr id="36867" name="Shape 315">
             <a:extLst>
               <a:ext uri="{FF2B5EF4-FFF2-40B4-BE49-F238E27FC236}">
-                <a16:creationId xmlns:a16="http://schemas.microsoft.com/office/drawing/2014/main" id="{3BA2DCAC-B7C5-904B-8255-338F17BB36A3}"/>
+                <a16:creationId xmlns:a16="http://schemas.microsoft.com/office/drawing/2014/main" xmlns="" id="{3BA2DCAC-B7C5-904B-8255-338F17BB36A3}"/>
               </a:ext>
             </a:extLst>
           </p:cNvPr>
@@ -16922,14 +16962,14 @@
           </a:ln>
           <a:extLst>
             <a:ext uri="{909E8E84-426E-40DD-AFC4-6F175D3DCCD1}">
-              <a14:hiddenFill xmlns:a14="http://schemas.microsoft.com/office/drawing/2010/main">
+              <a14:hiddenFill xmlns:a14="http://schemas.microsoft.com/office/drawing/2010/main" xmlns="">
                 <a:solidFill>
                   <a:srgbClr val="FFFFFF"/>
                 </a:solidFill>
               </a14:hiddenFill>
             </a:ext>
             <a:ext uri="{91240B29-F687-4F45-9708-019B960494DF}">
-              <a14:hiddenLine xmlns:a14="http://schemas.microsoft.com/office/drawing/2010/main" w="12700">
+              <a14:hiddenLine xmlns:a14="http://schemas.microsoft.com/office/drawing/2010/main" xmlns="" w="12700">
                 <a:solidFill>
                   <a:srgbClr val="000000"/>
                 </a:solidFill>
@@ -17149,7 +17189,7 @@
           <p:cNvPr id="37889" name="Shape 317">
             <a:extLst>
               <a:ext uri="{FF2B5EF4-FFF2-40B4-BE49-F238E27FC236}">
-                <a16:creationId xmlns:a16="http://schemas.microsoft.com/office/drawing/2014/main" id="{D8493CEA-6A3E-9F4B-AF6D-649CC56A983D}"/>
+                <a16:creationId xmlns:a16="http://schemas.microsoft.com/office/drawing/2014/main" xmlns="" id="{D8493CEA-6A3E-9F4B-AF6D-649CC56A983D}"/>
               </a:ext>
             </a:extLst>
           </p:cNvPr>
@@ -17186,7 +17226,7 @@
           <p:cNvPr id="37890" name="yahoo.png" descr="Screenshot of an old syle Yahoo website">
             <a:extLst>
               <a:ext uri="{FF2B5EF4-FFF2-40B4-BE49-F238E27FC236}">
-                <a16:creationId xmlns:a16="http://schemas.microsoft.com/office/drawing/2014/main" id="{F06F34DF-5D63-224C-A462-2A42AFBCC043}"/>
+                <a16:creationId xmlns:a16="http://schemas.microsoft.com/office/drawing/2014/main" xmlns="" id="{F06F34DF-5D63-224C-A462-2A42AFBCC043}"/>
               </a:ext>
             </a:extLst>
           </p:cNvPr>
@@ -17199,7 +17239,7 @@
           <a:blip r:embed="rId2">
             <a:extLst>
               <a:ext uri="{28A0092B-C50C-407E-A947-70E740481C1C}">
-                <a14:useLocalDpi xmlns:a14="http://schemas.microsoft.com/office/drawing/2010/main" val="0"/>
+                <a14:useLocalDpi xmlns:a14="http://schemas.microsoft.com/office/drawing/2010/main" xmlns="" val="0"/>
               </a:ext>
             </a:extLst>
           </a:blip>
@@ -17222,14 +17262,14 @@
           </a:ln>
           <a:extLst>
             <a:ext uri="{909E8E84-426E-40DD-AFC4-6F175D3DCCD1}">
-              <a14:hiddenFill xmlns:a14="http://schemas.microsoft.com/office/drawing/2010/main">
+              <a14:hiddenFill xmlns:a14="http://schemas.microsoft.com/office/drawing/2010/main" xmlns="">
                 <a:solidFill>
                   <a:srgbClr val="FFFFFF"/>
                 </a:solidFill>
               </a14:hiddenFill>
             </a:ext>
             <a:ext uri="{91240B29-F687-4F45-9708-019B960494DF}">
-              <a14:hiddenLine xmlns:a14="http://schemas.microsoft.com/office/drawing/2010/main" w="12700">
+              <a14:hiddenLine xmlns:a14="http://schemas.microsoft.com/office/drawing/2010/main" xmlns="" w="12700">
                 <a:solidFill>
                   <a:srgbClr val="000000"/>
                 </a:solidFill>
@@ -17246,7 +17286,7 @@
           <p:cNvPr id="37891" name="Snapshot 2008-03-31 10-40-28.jpg" descr="Screenshot of text read as &quot;Hello there my name is Chuck. Go ahead and click on here&quot;">
             <a:extLst>
               <a:ext uri="{FF2B5EF4-FFF2-40B4-BE49-F238E27FC236}">
-                <a16:creationId xmlns:a16="http://schemas.microsoft.com/office/drawing/2014/main" id="{10F1A2CB-7F68-FD45-A1D9-9BAFFC170F82}"/>
+                <a16:creationId xmlns:a16="http://schemas.microsoft.com/office/drawing/2014/main" xmlns="" id="{10F1A2CB-7F68-FD45-A1D9-9BAFFC170F82}"/>
               </a:ext>
             </a:extLst>
           </p:cNvPr>
@@ -17259,7 +17299,7 @@
           <a:blip r:embed="rId3">
             <a:extLst>
               <a:ext uri="{28A0092B-C50C-407E-A947-70E740481C1C}">
-                <a14:useLocalDpi xmlns:a14="http://schemas.microsoft.com/office/drawing/2010/main" val="0"/>
+                <a14:useLocalDpi xmlns:a14="http://schemas.microsoft.com/office/drawing/2010/main" xmlns="" val="0"/>
               </a:ext>
             </a:extLst>
           </a:blip>
@@ -17282,14 +17322,14 @@
           </a:ln>
           <a:extLst>
             <a:ext uri="{909E8E84-426E-40DD-AFC4-6F175D3DCCD1}">
-              <a14:hiddenFill xmlns:a14="http://schemas.microsoft.com/office/drawing/2010/main">
+              <a14:hiddenFill xmlns:a14="http://schemas.microsoft.com/office/drawing/2010/main" xmlns="">
                 <a:solidFill>
                   <a:srgbClr val="FFFFFF"/>
                 </a:solidFill>
               </a14:hiddenFill>
             </a:ext>
             <a:ext uri="{91240B29-F687-4F45-9708-019B960494DF}">
-              <a14:hiddenLine xmlns:a14="http://schemas.microsoft.com/office/drawing/2010/main" w="12700">
+              <a14:hiddenLine xmlns:a14="http://schemas.microsoft.com/office/drawing/2010/main" xmlns="" w="12700">
                 <a:solidFill>
                   <a:srgbClr val="000000"/>
                 </a:solidFill>
@@ -17306,7 +17346,7 @@
           <p:cNvPr id="321" name="Shape 321">
             <a:extLst>
               <a:ext uri="{FF2B5EF4-FFF2-40B4-BE49-F238E27FC236}">
-                <a16:creationId xmlns:a16="http://schemas.microsoft.com/office/drawing/2014/main" id="{213B15DD-AB39-7D4C-8488-C4B57DBB17A6}"/>
+                <a16:creationId xmlns:a16="http://schemas.microsoft.com/office/drawing/2014/main" xmlns="" id="{213B15DD-AB39-7D4C-8488-C4B57DBB17A6}"/>
               </a:ext>
             </a:extLst>
           </p:cNvPr>
@@ -17361,7 +17401,7 @@
           <p:cNvPr id="37893" name="Shape 326">
             <a:extLst>
               <a:ext uri="{FF2B5EF4-FFF2-40B4-BE49-F238E27FC236}">
-                <a16:creationId xmlns:a16="http://schemas.microsoft.com/office/drawing/2014/main" id="{D7D88468-2903-604D-AF40-D7742CC45A27}"/>
+                <a16:creationId xmlns:a16="http://schemas.microsoft.com/office/drawing/2014/main" xmlns="" id="{D7D88468-2903-604D-AF40-D7742CC45A27}"/>
               </a:ext>
             </a:extLst>
           </p:cNvPr>
@@ -17384,14 +17424,14 @@
           </a:ln>
           <a:extLst>
             <a:ext uri="{909E8E84-426E-40DD-AFC4-6F175D3DCCD1}">
-              <a14:hiddenFill xmlns:a14="http://schemas.microsoft.com/office/drawing/2010/main">
+              <a14:hiddenFill xmlns:a14="http://schemas.microsoft.com/office/drawing/2010/main" xmlns="">
                 <a:solidFill>
                   <a:srgbClr val="FFFFFF"/>
                 </a:solidFill>
               </a14:hiddenFill>
             </a:ext>
             <a:ext uri="{91240B29-F687-4F45-9708-019B960494DF}">
-              <a14:hiddenLine xmlns:a14="http://schemas.microsoft.com/office/drawing/2010/main" w="12700">
+              <a14:hiddenLine xmlns:a14="http://schemas.microsoft.com/office/drawing/2010/main" xmlns="" w="12700">
                 <a:solidFill>
                   <a:srgbClr val="000000"/>
                 </a:solidFill>
@@ -17566,7 +17606,7 @@
           <p:cNvPr id="38913" name="Shape 323">
             <a:extLst>
               <a:ext uri="{FF2B5EF4-FFF2-40B4-BE49-F238E27FC236}">
-                <a16:creationId xmlns:a16="http://schemas.microsoft.com/office/drawing/2014/main" id="{888D085C-0566-494E-8029-A60840527372}"/>
+                <a16:creationId xmlns:a16="http://schemas.microsoft.com/office/drawing/2014/main" xmlns="" id="{888D085C-0566-494E-8029-A60840527372}"/>
               </a:ext>
             </a:extLst>
           </p:cNvPr>
@@ -17605,7 +17645,7 @@
           <p:cNvPr id="38914" name="Shape 324">
             <a:extLst>
               <a:ext uri="{FF2B5EF4-FFF2-40B4-BE49-F238E27FC236}">
-                <a16:creationId xmlns:a16="http://schemas.microsoft.com/office/drawing/2014/main" id="{7470437E-28A4-B340-95DC-75644CB6C842}"/>
+                <a16:creationId xmlns:a16="http://schemas.microsoft.com/office/drawing/2014/main" xmlns="" id="{7470437E-28A4-B340-95DC-75644CB6C842}"/>
               </a:ext>
             </a:extLst>
           </p:cNvPr>
@@ -17628,14 +17668,14 @@
           </a:ln>
           <a:extLst>
             <a:ext uri="{909E8E84-426E-40DD-AFC4-6F175D3DCCD1}">
-              <a14:hiddenFill xmlns:a14="http://schemas.microsoft.com/office/drawing/2010/main">
+              <a14:hiddenFill xmlns:a14="http://schemas.microsoft.com/office/drawing/2010/main" xmlns="">
                 <a:solidFill>
                   <a:srgbClr val="FFFFFF"/>
                 </a:solidFill>
               </a14:hiddenFill>
             </a:ext>
             <a:ext uri="{91240B29-F687-4F45-9708-019B960494DF}">
-              <a14:hiddenLine xmlns:a14="http://schemas.microsoft.com/office/drawing/2010/main" w="12700">
+              <a14:hiddenLine xmlns:a14="http://schemas.microsoft.com/office/drawing/2010/main" xmlns="" w="12700">
                 <a:solidFill>
                   <a:srgbClr val="000000"/>
                 </a:solidFill>
@@ -18025,7 +18065,7 @@
           <p:cNvPr id="325" name="Shape 325">
             <a:extLst>
               <a:ext uri="{FF2B5EF4-FFF2-40B4-BE49-F238E27FC236}">
-                <a16:creationId xmlns:a16="http://schemas.microsoft.com/office/drawing/2014/main" id="{A0402BE9-5A7D-884D-8A25-E632D59FF9EC}"/>
+                <a16:creationId xmlns:a16="http://schemas.microsoft.com/office/drawing/2014/main" xmlns="" id="{A0402BE9-5A7D-884D-8A25-E632D59FF9EC}"/>
               </a:ext>
             </a:extLst>
           </p:cNvPr>
@@ -18211,7 +18251,7 @@
           <p:cNvPr id="39937" name="Title 1">
             <a:extLst>
               <a:ext uri="{FF2B5EF4-FFF2-40B4-BE49-F238E27FC236}">
-                <a16:creationId xmlns:a16="http://schemas.microsoft.com/office/drawing/2014/main" id="{A6F87782-9B3E-C54F-8BA0-6FFEA30164FE}"/>
+                <a16:creationId xmlns:a16="http://schemas.microsoft.com/office/drawing/2014/main" xmlns="" id="{A6F87782-9B3E-C54F-8BA0-6FFEA30164FE}"/>
               </a:ext>
             </a:extLst>
           </p:cNvPr>
@@ -18262,6 +18302,14 @@
                 </a:solidFill>
               </a:rPr>
             </a:br>
+            <a:r>
+              <a:rPr lang="en-US" altLang="en-US" sz="4000" dirty="0">
+                <a:solidFill>
+                  <a:srgbClr val="FFCC66"/>
+                </a:solidFill>
+              </a:rPr>
+              <a:t/>
+            </a:r>
             <a:br>
               <a:rPr lang="en-US" altLang="en-US" sz="4000" dirty="0">
                 <a:solidFill>
@@ -18285,7 +18333,7 @@
           <p:cNvPr id="39938" name="Picture 2" descr="Screenshot of www.wa4e.com/code/css/inherit.htm">
             <a:extLst>
               <a:ext uri="{FF2B5EF4-FFF2-40B4-BE49-F238E27FC236}">
-                <a16:creationId xmlns:a16="http://schemas.microsoft.com/office/drawing/2014/main" id="{BAA2EAC8-742B-F240-AF18-95CE798078D0}"/>
+                <a16:creationId xmlns:a16="http://schemas.microsoft.com/office/drawing/2014/main" xmlns="" id="{BAA2EAC8-742B-F240-AF18-95CE798078D0}"/>
               </a:ext>
             </a:extLst>
           </p:cNvPr>
@@ -18298,7 +18346,7 @@
           <a:blip r:embed="rId2">
             <a:extLst>
               <a:ext uri="{28A0092B-C50C-407E-A947-70E740481C1C}">
-                <a14:useLocalDpi xmlns:a14="http://schemas.microsoft.com/office/drawing/2010/main" val="0"/>
+                <a14:useLocalDpi xmlns:a14="http://schemas.microsoft.com/office/drawing/2010/main" xmlns="" val="0"/>
               </a:ext>
             </a:extLst>
           </a:blip>
@@ -18321,14 +18369,14 @@
           </a:ln>
           <a:extLst>
             <a:ext uri="{909E8E84-426E-40DD-AFC4-6F175D3DCCD1}">
-              <a14:hiddenFill xmlns:a14="http://schemas.microsoft.com/office/drawing/2010/main">
+              <a14:hiddenFill xmlns:a14="http://schemas.microsoft.com/office/drawing/2010/main" xmlns="">
                 <a:solidFill>
                   <a:srgbClr val="FFFFFF"/>
                 </a:solidFill>
               </a14:hiddenFill>
             </a:ext>
             <a:ext uri="{91240B29-F687-4F45-9708-019B960494DF}">
-              <a14:hiddenLine xmlns:a14="http://schemas.microsoft.com/office/drawing/2010/main" w="9525">
+              <a14:hiddenLine xmlns:a14="http://schemas.microsoft.com/office/drawing/2010/main" xmlns="" w="9525">
                 <a:solidFill>
                   <a:srgbClr val="000000"/>
                 </a:solidFill>
@@ -18370,7 +18418,7 @@
           <p:cNvPr id="40961" name="Shape 334">
             <a:extLst>
               <a:ext uri="{FF2B5EF4-FFF2-40B4-BE49-F238E27FC236}">
-                <a16:creationId xmlns:a16="http://schemas.microsoft.com/office/drawing/2014/main" id="{8B162A60-6B90-734D-AD29-BA76FF695E6C}"/>
+                <a16:creationId xmlns:a16="http://schemas.microsoft.com/office/drawing/2014/main" xmlns="" id="{8B162A60-6B90-734D-AD29-BA76FF695E6C}"/>
               </a:ext>
             </a:extLst>
           </p:cNvPr>
@@ -18402,7 +18450,7 @@
           <p:cNvPr id="40962" name="Shape 335">
             <a:extLst>
               <a:ext uri="{FF2B5EF4-FFF2-40B4-BE49-F238E27FC236}">
-                <a16:creationId xmlns:a16="http://schemas.microsoft.com/office/drawing/2014/main" id="{94D14373-53CC-BB44-BD99-9DA189AA3521}"/>
+                <a16:creationId xmlns:a16="http://schemas.microsoft.com/office/drawing/2014/main" xmlns="" id="{94D14373-53CC-BB44-BD99-9DA189AA3521}"/>
               </a:ext>
             </a:extLst>
           </p:cNvPr>
@@ -18501,7 +18549,7 @@
           <p:cNvPr id="41985" name="Title 1">
             <a:extLst>
               <a:ext uri="{FF2B5EF4-FFF2-40B4-BE49-F238E27FC236}">
-                <a16:creationId xmlns:a16="http://schemas.microsoft.com/office/drawing/2014/main" id="{4BB13B00-8245-C44A-8EE9-AC12E4A5895C}"/>
+                <a16:creationId xmlns:a16="http://schemas.microsoft.com/office/drawing/2014/main" xmlns="" id="{4BB13B00-8245-C44A-8EE9-AC12E4A5895C}"/>
               </a:ext>
             </a:extLst>
           </p:cNvPr>
@@ -18538,7 +18586,7 @@
           <p:cNvPr id="41986" name="Picture 6" descr="CCBY license">
             <a:extLst>
               <a:ext uri="{FF2B5EF4-FFF2-40B4-BE49-F238E27FC236}">
-                <a16:creationId xmlns:a16="http://schemas.microsoft.com/office/drawing/2014/main" id="{C1639C9C-587B-974E-AE98-6E6384D62652}"/>
+                <a16:creationId xmlns:a16="http://schemas.microsoft.com/office/drawing/2014/main" xmlns="" id="{C1639C9C-587B-974E-AE98-6E6384D62652}"/>
               </a:ext>
             </a:extLst>
           </p:cNvPr>
@@ -18551,7 +18599,7 @@
           <a:blip r:embed="rId3">
             <a:extLst>
               <a:ext uri="{28A0092B-C50C-407E-A947-70E740481C1C}">
-                <a14:useLocalDpi xmlns:a14="http://schemas.microsoft.com/office/drawing/2010/main" val="0"/>
+                <a14:useLocalDpi xmlns:a14="http://schemas.microsoft.com/office/drawing/2010/main" xmlns="" val="0"/>
               </a:ext>
             </a:extLst>
           </a:blip>
@@ -18574,14 +18622,14 @@
           </a:ln>
           <a:extLst>
             <a:ext uri="{909E8E84-426E-40DD-AFC4-6F175D3DCCD1}">
-              <a14:hiddenFill xmlns:a14="http://schemas.microsoft.com/office/drawing/2010/main">
+              <a14:hiddenFill xmlns:a14="http://schemas.microsoft.com/office/drawing/2010/main" xmlns="">
                 <a:solidFill>
                   <a:srgbClr val="FFFFFF"/>
                 </a:solidFill>
               </a14:hiddenFill>
             </a:ext>
             <a:ext uri="{91240B29-F687-4F45-9708-019B960494DF}">
-              <a14:hiddenLine xmlns:a14="http://schemas.microsoft.com/office/drawing/2010/main" w="9525">
+              <a14:hiddenLine xmlns:a14="http://schemas.microsoft.com/office/drawing/2010/main" xmlns="" w="9525">
                 <a:solidFill>
                   <a:srgbClr val="000000"/>
                 </a:solidFill>
@@ -18598,7 +18646,7 @@
           <p:cNvPr id="41987" name="TextBox 4">
             <a:extLst>
               <a:ext uri="{FF2B5EF4-FFF2-40B4-BE49-F238E27FC236}">
-                <a16:creationId xmlns:a16="http://schemas.microsoft.com/office/drawing/2014/main" id="{75C93CF5-0414-BC44-B54D-615402CA026E}"/>
+                <a16:creationId xmlns:a16="http://schemas.microsoft.com/office/drawing/2014/main" xmlns="" id="{75C93CF5-0414-BC44-B54D-615402CA026E}"/>
               </a:ext>
             </a:extLst>
           </p:cNvPr>
@@ -18621,14 +18669,14 @@
           </a:ln>
           <a:extLst>
             <a:ext uri="{909E8E84-426E-40DD-AFC4-6F175D3DCCD1}">
-              <a14:hiddenFill xmlns:a14="http://schemas.microsoft.com/office/drawing/2010/main">
+              <a14:hiddenFill xmlns:a14="http://schemas.microsoft.com/office/drawing/2010/main" xmlns="">
                 <a:solidFill>
                   <a:srgbClr val="FFFFFF"/>
                 </a:solidFill>
               </a14:hiddenFill>
             </a:ext>
             <a:ext uri="{91240B29-F687-4F45-9708-019B960494DF}">
-              <a14:hiddenLine xmlns:a14="http://schemas.microsoft.com/office/drawing/2010/main" w="9525">
+              <a14:hiddenLine xmlns:a14="http://schemas.microsoft.com/office/drawing/2010/main" xmlns="" w="9525">
                 <a:solidFill>
                   <a:srgbClr val="000000"/>
                 </a:solidFill>
@@ -18871,7 +18919,7 @@
           <p:cNvPr id="41988" name="TextBox 5">
             <a:extLst>
               <a:ext uri="{FF2B5EF4-FFF2-40B4-BE49-F238E27FC236}">
-                <a16:creationId xmlns:a16="http://schemas.microsoft.com/office/drawing/2014/main" id="{CA87D233-B162-9241-B97A-80C170DB9A1E}"/>
+                <a16:creationId xmlns:a16="http://schemas.microsoft.com/office/drawing/2014/main" xmlns="" id="{CA87D233-B162-9241-B97A-80C170DB9A1E}"/>
               </a:ext>
             </a:extLst>
           </p:cNvPr>
@@ -18894,14 +18942,14 @@
           </a:ln>
           <a:extLst>
             <a:ext uri="{909E8E84-426E-40DD-AFC4-6F175D3DCCD1}">
-              <a14:hiddenFill xmlns:a14="http://schemas.microsoft.com/office/drawing/2010/main">
+              <a14:hiddenFill xmlns:a14="http://schemas.microsoft.com/office/drawing/2010/main" xmlns="">
                 <a:solidFill>
                   <a:srgbClr val="FFFFFF"/>
                 </a:solidFill>
               </a14:hiddenFill>
             </a:ext>
             <a:ext uri="{91240B29-F687-4F45-9708-019B960494DF}">
-              <a14:hiddenLine xmlns:a14="http://schemas.microsoft.com/office/drawing/2010/main" w="9525">
+              <a14:hiddenLine xmlns:a14="http://schemas.microsoft.com/office/drawing/2010/main" xmlns="" w="9525">
                 <a:solidFill>
                   <a:srgbClr val="000000"/>
                 </a:solidFill>
@@ -19287,7 +19335,7 @@
           <p:cNvPr id="9217" name="Title 1">
             <a:extLst>
               <a:ext uri="{FF2B5EF4-FFF2-40B4-BE49-F238E27FC236}">
-                <a16:creationId xmlns:a16="http://schemas.microsoft.com/office/drawing/2014/main" id="{669EFBA9-3733-8248-9B56-343D980E85FB}"/>
+                <a16:creationId xmlns:a16="http://schemas.microsoft.com/office/drawing/2014/main" xmlns="" id="{669EFBA9-3733-8248-9B56-343D980E85FB}"/>
               </a:ext>
             </a:extLst>
           </p:cNvPr>
@@ -19324,7 +19372,7 @@
           <p:cNvPr id="9218" name="Rectangle 2">
             <a:extLst>
               <a:ext uri="{FF2B5EF4-FFF2-40B4-BE49-F238E27FC236}">
-                <a16:creationId xmlns:a16="http://schemas.microsoft.com/office/drawing/2014/main" id="{3994774B-13D2-D347-88F7-20EC2FE5D44C}"/>
+                <a16:creationId xmlns:a16="http://schemas.microsoft.com/office/drawing/2014/main" xmlns="" id="{3994774B-13D2-D347-88F7-20EC2FE5D44C}"/>
               </a:ext>
             </a:extLst>
           </p:cNvPr>
@@ -19347,14 +19395,14 @@
           </a:ln>
           <a:extLst>
             <a:ext uri="{909E8E84-426E-40DD-AFC4-6F175D3DCCD1}">
-              <a14:hiddenFill xmlns:a14="http://schemas.microsoft.com/office/drawing/2010/main">
+              <a14:hiddenFill xmlns:a14="http://schemas.microsoft.com/office/drawing/2010/main" xmlns="">
                 <a:solidFill>
                   <a:srgbClr val="FFFFFF"/>
                 </a:solidFill>
               </a14:hiddenFill>
             </a:ext>
             <a:ext uri="{91240B29-F687-4F45-9708-019B960494DF}">
-              <a14:hiddenLine xmlns:a14="http://schemas.microsoft.com/office/drawing/2010/main" w="9525">
+              <a14:hiddenLine xmlns:a14="http://schemas.microsoft.com/office/drawing/2010/main" xmlns="" w="9525">
                 <a:solidFill>
                   <a:srgbClr val="000000"/>
                 </a:solidFill>
@@ -19498,7 +19546,7 @@
           <p:cNvPr id="9219" name="Picture 3" descr="A screenshot of chrispederick.com/work/web-developer">
             <a:extLst>
               <a:ext uri="{FF2B5EF4-FFF2-40B4-BE49-F238E27FC236}">
-                <a16:creationId xmlns:a16="http://schemas.microsoft.com/office/drawing/2014/main" id="{03DB3D42-BC00-724D-B829-B960BE853D63}"/>
+                <a16:creationId xmlns:a16="http://schemas.microsoft.com/office/drawing/2014/main" xmlns="" id="{03DB3D42-BC00-724D-B829-B960BE853D63}"/>
               </a:ext>
             </a:extLst>
           </p:cNvPr>
@@ -19511,7 +19559,7 @@
           <a:blip r:embed="rId2">
             <a:extLst>
               <a:ext uri="{28A0092B-C50C-407E-A947-70E740481C1C}">
-                <a14:useLocalDpi xmlns:a14="http://schemas.microsoft.com/office/drawing/2010/main" val="0"/>
+                <a14:useLocalDpi xmlns:a14="http://schemas.microsoft.com/office/drawing/2010/main" xmlns="" val="0"/>
               </a:ext>
             </a:extLst>
           </a:blip>
@@ -19534,14 +19582,14 @@
           </a:ln>
           <a:extLst>
             <a:ext uri="{909E8E84-426E-40DD-AFC4-6F175D3DCCD1}">
-              <a14:hiddenFill xmlns:a14="http://schemas.microsoft.com/office/drawing/2010/main">
+              <a14:hiddenFill xmlns:a14="http://schemas.microsoft.com/office/drawing/2010/main" xmlns="">
                 <a:solidFill>
                   <a:srgbClr val="FFFFFF"/>
                 </a:solidFill>
               </a14:hiddenFill>
             </a:ext>
             <a:ext uri="{91240B29-F687-4F45-9708-019B960494DF}">
-              <a14:hiddenLine xmlns:a14="http://schemas.microsoft.com/office/drawing/2010/main" w="9525">
+              <a14:hiddenLine xmlns:a14="http://schemas.microsoft.com/office/drawing/2010/main" xmlns="" w="9525">
                 <a:solidFill>
                   <a:srgbClr val="000000"/>
                 </a:solidFill>
@@ -19583,7 +19631,7 @@
           <p:cNvPr id="2" name="Title 1" hidden="1">
             <a:extLst>
               <a:ext uri="{FF2B5EF4-FFF2-40B4-BE49-F238E27FC236}">
-                <a16:creationId xmlns:a16="http://schemas.microsoft.com/office/drawing/2014/main" id="{FC658DA8-89B5-0747-BCC2-24AE62EBF0F4}"/>
+                <a16:creationId xmlns:a16="http://schemas.microsoft.com/office/drawing/2014/main" xmlns="" id="{FC658DA8-89B5-0747-BCC2-24AE62EBF0F4}"/>
               </a:ext>
             </a:extLst>
           </p:cNvPr>
@@ -19935,7 +19983,7 @@
     </p:spTree>
     <p:extLst>
       <p:ext uri="{BB962C8B-B14F-4D97-AF65-F5344CB8AC3E}">
-        <p14:creationId xmlns:p14="http://schemas.microsoft.com/office/powerpoint/2010/main" val="3726643631"/>
+        <p14:creationId xmlns:p14="http://schemas.microsoft.com/office/powerpoint/2010/main" xmlns="" val="3726643631"/>
       </p:ext>
     </p:extLst>
   </p:cSld>
@@ -19967,7 +20015,7 @@
           <p:cNvPr id="3" name="Title 2" hidden="1">
             <a:extLst>
               <a:ext uri="{FF2B5EF4-FFF2-40B4-BE49-F238E27FC236}">
-                <a16:creationId xmlns:a16="http://schemas.microsoft.com/office/drawing/2014/main" id="{14CC1940-27A9-374E-9DBE-417473951B04}"/>
+                <a16:creationId xmlns:a16="http://schemas.microsoft.com/office/drawing/2014/main" xmlns="" id="{14CC1940-27A9-374E-9DBE-417473951B04}"/>
               </a:ext>
             </a:extLst>
           </p:cNvPr>
@@ -19996,7 +20044,7 @@
           <p:cNvPr id="11265" name="Picture 2" descr="Screenshot of www.wa4e.com. Without CSS. ">
             <a:extLst>
               <a:ext uri="{FF2B5EF4-FFF2-40B4-BE49-F238E27FC236}">
-                <a16:creationId xmlns:a16="http://schemas.microsoft.com/office/drawing/2014/main" id="{AFCA386D-5D22-0E48-83AF-34E18704F601}"/>
+                <a16:creationId xmlns:a16="http://schemas.microsoft.com/office/drawing/2014/main" xmlns="" id="{AFCA386D-5D22-0E48-83AF-34E18704F601}"/>
               </a:ext>
             </a:extLst>
           </p:cNvPr>
@@ -20009,7 +20057,7 @@
           <a:blip r:embed="rId3">
             <a:extLst>
               <a:ext uri="{28A0092B-C50C-407E-A947-70E740481C1C}">
-                <a14:useLocalDpi xmlns:a14="http://schemas.microsoft.com/office/drawing/2010/main" val="0"/>
+                <a14:useLocalDpi xmlns:a14="http://schemas.microsoft.com/office/drawing/2010/main" xmlns="" val="0"/>
               </a:ext>
             </a:extLst>
           </a:blip>
@@ -20032,14 +20080,14 @@
           </a:ln>
           <a:extLst>
             <a:ext uri="{909E8E84-426E-40DD-AFC4-6F175D3DCCD1}">
-              <a14:hiddenFill xmlns:a14="http://schemas.microsoft.com/office/drawing/2010/main">
+              <a14:hiddenFill xmlns:a14="http://schemas.microsoft.com/office/drawing/2010/main" xmlns="">
                 <a:solidFill>
                   <a:srgbClr val="FFFFFF"/>
                 </a:solidFill>
               </a14:hiddenFill>
             </a:ext>
             <a:ext uri="{91240B29-F687-4F45-9708-019B960494DF}">
-              <a14:hiddenLine xmlns:a14="http://schemas.microsoft.com/office/drawing/2010/main" w="9525">
+              <a14:hiddenLine xmlns:a14="http://schemas.microsoft.com/office/drawing/2010/main" xmlns="" w="9525">
                 <a:solidFill>
                   <a:srgbClr val="000000"/>
                 </a:solidFill>
@@ -20056,7 +20104,7 @@
           <p:cNvPr id="11266" name="Picture 3" descr="Screenshot of www.wa4e.com. With CSS. ">
             <a:extLst>
               <a:ext uri="{FF2B5EF4-FFF2-40B4-BE49-F238E27FC236}">
-                <a16:creationId xmlns:a16="http://schemas.microsoft.com/office/drawing/2014/main" id="{542E924C-4B16-7E4E-887A-63470C6B25EA}"/>
+                <a16:creationId xmlns:a16="http://schemas.microsoft.com/office/drawing/2014/main" xmlns="" id="{542E924C-4B16-7E4E-887A-63470C6B25EA}"/>
               </a:ext>
             </a:extLst>
           </p:cNvPr>
@@ -20069,7 +20117,7 @@
           <a:blip r:embed="rId4">
             <a:extLst>
               <a:ext uri="{28A0092B-C50C-407E-A947-70E740481C1C}">
-                <a14:useLocalDpi xmlns:a14="http://schemas.microsoft.com/office/drawing/2010/main" val="0"/>
+                <a14:useLocalDpi xmlns:a14="http://schemas.microsoft.com/office/drawing/2010/main" xmlns="" val="0"/>
               </a:ext>
             </a:extLst>
           </a:blip>
@@ -20092,14 +20140,14 @@
           </a:ln>
           <a:extLst>
             <a:ext uri="{909E8E84-426E-40DD-AFC4-6F175D3DCCD1}">
-              <a14:hiddenFill xmlns:a14="http://schemas.microsoft.com/office/drawing/2010/main">
+              <a14:hiddenFill xmlns:a14="http://schemas.microsoft.com/office/drawing/2010/main" xmlns="">
                 <a:solidFill>
                   <a:srgbClr val="FFFFFF"/>
                 </a:solidFill>
               </a14:hiddenFill>
             </a:ext>
             <a:ext uri="{91240B29-F687-4F45-9708-019B960494DF}">
-              <a14:hiddenLine xmlns:a14="http://schemas.microsoft.com/office/drawing/2010/main" w="9525">
+              <a14:hiddenLine xmlns:a14="http://schemas.microsoft.com/office/drawing/2010/main" xmlns="" w="9525">
                 <a:solidFill>
                   <a:srgbClr val="000000"/>
                 </a:solidFill>
@@ -20116,7 +20164,7 @@
           <p:cNvPr id="11267" name="TextBox 4">
             <a:extLst>
               <a:ext uri="{FF2B5EF4-FFF2-40B4-BE49-F238E27FC236}">
-                <a16:creationId xmlns:a16="http://schemas.microsoft.com/office/drawing/2014/main" id="{9A717408-299C-C243-8CD1-D7B5A5360591}"/>
+                <a16:creationId xmlns:a16="http://schemas.microsoft.com/office/drawing/2014/main" xmlns="" id="{9A717408-299C-C243-8CD1-D7B5A5360591}"/>
               </a:ext>
             </a:extLst>
           </p:cNvPr>
@@ -20139,14 +20187,14 @@
           </a:ln>
           <a:extLst>
             <a:ext uri="{909E8E84-426E-40DD-AFC4-6F175D3DCCD1}">
-              <a14:hiddenFill xmlns:a14="http://schemas.microsoft.com/office/drawing/2010/main">
+              <a14:hiddenFill xmlns:a14="http://schemas.microsoft.com/office/drawing/2010/main" xmlns="">
                 <a:solidFill>
                   <a:srgbClr val="FFFFFF"/>
                 </a:solidFill>
               </a14:hiddenFill>
             </a:ext>
             <a:ext uri="{91240B29-F687-4F45-9708-019B960494DF}">
-              <a14:hiddenLine xmlns:a14="http://schemas.microsoft.com/office/drawing/2010/main" w="9525">
+              <a14:hiddenLine xmlns:a14="http://schemas.microsoft.com/office/drawing/2010/main" xmlns="" w="9525">
                 <a:solidFill>
                   <a:srgbClr val="000000"/>
                 </a:solidFill>
@@ -20290,7 +20338,7 @@
           <p:cNvPr id="11268" name="TextBox 5">
             <a:extLst>
               <a:ext uri="{FF2B5EF4-FFF2-40B4-BE49-F238E27FC236}">
-                <a16:creationId xmlns:a16="http://schemas.microsoft.com/office/drawing/2014/main" id="{7802E569-769C-9C42-9CE8-0E7CB7F1A476}"/>
+                <a16:creationId xmlns:a16="http://schemas.microsoft.com/office/drawing/2014/main" xmlns="" id="{7802E569-769C-9C42-9CE8-0E7CB7F1A476}"/>
               </a:ext>
             </a:extLst>
           </p:cNvPr>
@@ -20313,14 +20361,14 @@
           </a:ln>
           <a:extLst>
             <a:ext uri="{909E8E84-426E-40DD-AFC4-6F175D3DCCD1}">
-              <a14:hiddenFill xmlns:a14="http://schemas.microsoft.com/office/drawing/2010/main">
+              <a14:hiddenFill xmlns:a14="http://schemas.microsoft.com/office/drawing/2010/main" xmlns="">
                 <a:solidFill>
                   <a:srgbClr val="FFFFFF"/>
                 </a:solidFill>
               </a14:hiddenFill>
             </a:ext>
             <a:ext uri="{91240B29-F687-4F45-9708-019B960494DF}">
-              <a14:hiddenLine xmlns:a14="http://schemas.microsoft.com/office/drawing/2010/main" w="9525">
+              <a14:hiddenLine xmlns:a14="http://schemas.microsoft.com/office/drawing/2010/main" xmlns="" w="9525">
                 <a:solidFill>
                   <a:srgbClr val="000000"/>
                 </a:solidFill>
@@ -20489,7 +20537,7 @@
           <p:cNvPr id="2" name="Title 1" hidden="1">
             <a:extLst>
               <a:ext uri="{FF2B5EF4-FFF2-40B4-BE49-F238E27FC236}">
-                <a16:creationId xmlns:a16="http://schemas.microsoft.com/office/drawing/2014/main" id="{8CEC2660-EBC6-2D4F-9ACB-EB0A52727B75}"/>
+                <a16:creationId xmlns:a16="http://schemas.microsoft.com/office/drawing/2014/main" xmlns="" id="{8CEC2660-EBC6-2D4F-9ACB-EB0A52727B75}"/>
               </a:ext>
             </a:extLst>
           </p:cNvPr>
@@ -20518,7 +20566,7 @@
           <p:cNvPr id="12289" name="Picture 1" descr="Screenshot of www.wa4e.com. With CSS. ">
             <a:extLst>
               <a:ext uri="{FF2B5EF4-FFF2-40B4-BE49-F238E27FC236}">
-                <a16:creationId xmlns:a16="http://schemas.microsoft.com/office/drawing/2014/main" id="{329B0F97-413B-5C4C-A1B6-CAFA28F309ED}"/>
+                <a16:creationId xmlns:a16="http://schemas.microsoft.com/office/drawing/2014/main" xmlns="" id="{329B0F97-413B-5C4C-A1B6-CAFA28F309ED}"/>
               </a:ext>
             </a:extLst>
           </p:cNvPr>
@@ -20531,7 +20579,7 @@
           <a:blip r:embed="rId3">
             <a:extLst>
               <a:ext uri="{28A0092B-C50C-407E-A947-70E740481C1C}">
-                <a14:useLocalDpi xmlns:a14="http://schemas.microsoft.com/office/drawing/2010/main" val="0"/>
+                <a14:useLocalDpi xmlns:a14="http://schemas.microsoft.com/office/drawing/2010/main" xmlns="" val="0"/>
               </a:ext>
             </a:extLst>
           </a:blip>
@@ -20554,14 +20602,14 @@
           </a:ln>
           <a:extLst>
             <a:ext uri="{909E8E84-426E-40DD-AFC4-6F175D3DCCD1}">
-              <a14:hiddenFill xmlns:a14="http://schemas.microsoft.com/office/drawing/2010/main">
+              <a14:hiddenFill xmlns:a14="http://schemas.microsoft.com/office/drawing/2010/main" xmlns="">
                 <a:solidFill>
                   <a:srgbClr val="FFFFFF"/>
                 </a:solidFill>
               </a14:hiddenFill>
             </a:ext>
             <a:ext uri="{91240B29-F687-4F45-9708-019B960494DF}">
-              <a14:hiddenLine xmlns:a14="http://schemas.microsoft.com/office/drawing/2010/main" w="9525">
+              <a14:hiddenLine xmlns:a14="http://schemas.microsoft.com/office/drawing/2010/main" xmlns="" w="9525">
                 <a:solidFill>
                   <a:srgbClr val="000000"/>
                 </a:solidFill>
@@ -20578,7 +20626,7 @@
           <p:cNvPr id="12290" name="Picture 2" descr="Screenshot of HTML code">
             <a:extLst>
               <a:ext uri="{FF2B5EF4-FFF2-40B4-BE49-F238E27FC236}">
-                <a16:creationId xmlns:a16="http://schemas.microsoft.com/office/drawing/2014/main" id="{23F022AD-CF6A-3446-8C4C-27E09E6574E8}"/>
+                <a16:creationId xmlns:a16="http://schemas.microsoft.com/office/drawing/2014/main" xmlns="" id="{23F022AD-CF6A-3446-8C4C-27E09E6574E8}"/>
               </a:ext>
             </a:extLst>
           </p:cNvPr>
@@ -20591,7 +20639,7 @@
           <a:blip r:embed="rId4">
             <a:extLst>
               <a:ext uri="{28A0092B-C50C-407E-A947-70E740481C1C}">
-                <a14:useLocalDpi xmlns:a14="http://schemas.microsoft.com/office/drawing/2010/main" val="0"/>
+                <a14:useLocalDpi xmlns:a14="http://schemas.microsoft.com/office/drawing/2010/main" xmlns="" val="0"/>
               </a:ext>
             </a:extLst>
           </a:blip>
@@ -20614,14 +20662,14 @@
           </a:ln>
           <a:extLst>
             <a:ext uri="{909E8E84-426E-40DD-AFC4-6F175D3DCCD1}">
-              <a14:hiddenFill xmlns:a14="http://schemas.microsoft.com/office/drawing/2010/main">
+              <a14:hiddenFill xmlns:a14="http://schemas.microsoft.com/office/drawing/2010/main" xmlns="">
                 <a:solidFill>
                   <a:srgbClr val="FFFFFF"/>
                 </a:solidFill>
               </a14:hiddenFill>
             </a:ext>
             <a:ext uri="{91240B29-F687-4F45-9708-019B960494DF}">
-              <a14:hiddenLine xmlns:a14="http://schemas.microsoft.com/office/drawing/2010/main" w="9525">
+              <a14:hiddenLine xmlns:a14="http://schemas.microsoft.com/office/drawing/2010/main" xmlns="" w="9525">
                 <a:solidFill>
                   <a:srgbClr val="000000"/>
                 </a:solidFill>
@@ -20638,7 +20686,7 @@
           <p:cNvPr id="12291" name="Picture 3" descr="Screenshot of CSS code">
             <a:extLst>
               <a:ext uri="{FF2B5EF4-FFF2-40B4-BE49-F238E27FC236}">
-                <a16:creationId xmlns:a16="http://schemas.microsoft.com/office/drawing/2014/main" id="{2A0BBA2C-C410-2149-BB46-040A6101013A}"/>
+                <a16:creationId xmlns:a16="http://schemas.microsoft.com/office/drawing/2014/main" xmlns="" id="{2A0BBA2C-C410-2149-BB46-040A6101013A}"/>
               </a:ext>
             </a:extLst>
           </p:cNvPr>
@@ -20651,7 +20699,7 @@
           <a:blip r:embed="rId5">
             <a:extLst>
               <a:ext uri="{28A0092B-C50C-407E-A947-70E740481C1C}">
-                <a14:useLocalDpi xmlns:a14="http://schemas.microsoft.com/office/drawing/2010/main" val="0"/>
+                <a14:useLocalDpi xmlns:a14="http://schemas.microsoft.com/office/drawing/2010/main" xmlns="" val="0"/>
               </a:ext>
             </a:extLst>
           </a:blip>
@@ -20674,14 +20722,14 @@
           </a:ln>
           <a:extLst>
             <a:ext uri="{909E8E84-426E-40DD-AFC4-6F175D3DCCD1}">
-              <a14:hiddenFill xmlns:a14="http://schemas.microsoft.com/office/drawing/2010/main">
+              <a14:hiddenFill xmlns:a14="http://schemas.microsoft.com/office/drawing/2010/main" xmlns="">
                 <a:solidFill>
                   <a:srgbClr val="FFFFFF"/>
                 </a:solidFill>
               </a14:hiddenFill>
             </a:ext>
             <a:ext uri="{91240B29-F687-4F45-9708-019B960494DF}">
-              <a14:hiddenLine xmlns:a14="http://schemas.microsoft.com/office/drawing/2010/main" w="9525">
+              <a14:hiddenLine xmlns:a14="http://schemas.microsoft.com/office/drawing/2010/main" xmlns="" w="9525">
                 <a:solidFill>
                   <a:srgbClr val="000000"/>
                 </a:solidFill>
@@ -20698,10 +20746,10 @@
           <p:cNvPr id="12292" name="Straight Arrow Connector 7">
             <a:extLst>
               <a:ext uri="{FF2B5EF4-FFF2-40B4-BE49-F238E27FC236}">
-                <a16:creationId xmlns:a16="http://schemas.microsoft.com/office/drawing/2014/main" id="{18003C5A-2DF2-0246-8444-0404A9D0383E}"/>
+                <a16:creationId xmlns:a16="http://schemas.microsoft.com/office/drawing/2014/main" xmlns="" id="{18003C5A-2DF2-0246-8444-0404A9D0383E}"/>
               </a:ext>
               <a:ext uri="{C183D7F6-B498-43B3-948B-1728B52AA6E4}">
-                <adec:decorative xmlns:adec="http://schemas.microsoft.com/office/drawing/2017/decorative" val="1"/>
+                <adec:decorative xmlns:adec="http://schemas.microsoft.com/office/drawing/2017/decorative" xmlns="" val="1"/>
               </a:ext>
             </a:extLst>
           </p:cNvPr>
@@ -20729,7 +20777,7 @@
           </a:ln>
           <a:extLst>
             <a:ext uri="{909E8E84-426E-40DD-AFC4-6F175D3DCCD1}">
-              <a14:hiddenFill xmlns:a14="http://schemas.microsoft.com/office/drawing/2010/main">
+              <a14:hiddenFill xmlns:a14="http://schemas.microsoft.com/office/drawing/2010/main" xmlns="">
                 <a:noFill/>
               </a14:hiddenFill>
             </a:ext>
@@ -20741,10 +20789,10 @@
           <p:cNvPr id="12293" name="Straight Arrow Connector 10">
             <a:extLst>
               <a:ext uri="{FF2B5EF4-FFF2-40B4-BE49-F238E27FC236}">
-                <a16:creationId xmlns:a16="http://schemas.microsoft.com/office/drawing/2014/main" id="{118070FA-FAA6-7446-B536-378174E743CA}"/>
+                <a16:creationId xmlns:a16="http://schemas.microsoft.com/office/drawing/2014/main" xmlns="" id="{118070FA-FAA6-7446-B536-378174E743CA}"/>
               </a:ext>
               <a:ext uri="{C183D7F6-B498-43B3-948B-1728B52AA6E4}">
-                <adec:decorative xmlns:adec="http://schemas.microsoft.com/office/drawing/2017/decorative" val="1"/>
+                <adec:decorative xmlns:adec="http://schemas.microsoft.com/office/drawing/2017/decorative" xmlns="" val="1"/>
               </a:ext>
             </a:extLst>
           </p:cNvPr>
@@ -20772,7 +20820,7 @@
           </a:ln>
           <a:extLst>
             <a:ext uri="{909E8E84-426E-40DD-AFC4-6F175D3DCCD1}">
-              <a14:hiddenFill xmlns:a14="http://schemas.microsoft.com/office/drawing/2010/main">
+              <a14:hiddenFill xmlns:a14="http://schemas.microsoft.com/office/drawing/2010/main" xmlns="">
                 <a:noFill/>
               </a14:hiddenFill>
             </a:ext>
@@ -20784,7 +20832,7 @@
           <p:cNvPr id="12294" name="TextBox 21">
             <a:extLst>
               <a:ext uri="{FF2B5EF4-FFF2-40B4-BE49-F238E27FC236}">
-                <a16:creationId xmlns:a16="http://schemas.microsoft.com/office/drawing/2014/main" id="{E4A4FA80-4E71-9E44-B031-603D891CBFDA}"/>
+                <a16:creationId xmlns:a16="http://schemas.microsoft.com/office/drawing/2014/main" xmlns="" id="{E4A4FA80-4E71-9E44-B031-603D891CBFDA}"/>
               </a:ext>
             </a:extLst>
           </p:cNvPr>
@@ -20807,14 +20855,14 @@
           </a:ln>
           <a:extLst>
             <a:ext uri="{909E8E84-426E-40DD-AFC4-6F175D3DCCD1}">
-              <a14:hiddenFill xmlns:a14="http://schemas.microsoft.com/office/drawing/2010/main">
+              <a14:hiddenFill xmlns:a14="http://schemas.microsoft.com/office/drawing/2010/main" xmlns="">
                 <a:solidFill>
                   <a:srgbClr val="FFFFFF"/>
                 </a:solidFill>
               </a14:hiddenFill>
             </a:ext>
             <a:ext uri="{91240B29-F687-4F45-9708-019B960494DF}">
-              <a14:hiddenLine xmlns:a14="http://schemas.microsoft.com/office/drawing/2010/main" w="9525">
+              <a14:hiddenLine xmlns:a14="http://schemas.microsoft.com/office/drawing/2010/main" xmlns="" w="9525">
                 <a:solidFill>
                   <a:srgbClr val="000000"/>
                 </a:solidFill>
@@ -20958,7 +21006,7 @@
           <p:cNvPr id="12295" name="TextBox 22">
             <a:extLst>
               <a:ext uri="{FF2B5EF4-FFF2-40B4-BE49-F238E27FC236}">
-                <a16:creationId xmlns:a16="http://schemas.microsoft.com/office/drawing/2014/main" id="{DCFAE21D-A311-5642-B43C-F3B912671A05}"/>
+                <a16:creationId xmlns:a16="http://schemas.microsoft.com/office/drawing/2014/main" xmlns="" id="{DCFAE21D-A311-5642-B43C-F3B912671A05}"/>
               </a:ext>
             </a:extLst>
           </p:cNvPr>
@@ -20981,14 +21029,14 @@
           </a:ln>
           <a:extLst>
             <a:ext uri="{909E8E84-426E-40DD-AFC4-6F175D3DCCD1}">
-              <a14:hiddenFill xmlns:a14="http://schemas.microsoft.com/office/drawing/2010/main">
+              <a14:hiddenFill xmlns:a14="http://schemas.microsoft.com/office/drawing/2010/main" xmlns="">
                 <a:solidFill>
                   <a:srgbClr val="FFFFFF"/>
                 </a:solidFill>
               </a14:hiddenFill>
             </a:ext>
             <a:ext uri="{91240B29-F687-4F45-9708-019B960494DF}">
-              <a14:hiddenLine xmlns:a14="http://schemas.microsoft.com/office/drawing/2010/main" w="9525">
+              <a14:hiddenLine xmlns:a14="http://schemas.microsoft.com/office/drawing/2010/main" xmlns="" w="9525">
                 <a:solidFill>
                   <a:srgbClr val="000000"/>
                 </a:solidFill>
@@ -21157,7 +21205,7 @@
           <p:cNvPr id="13313" name="Shape 198">
             <a:extLst>
               <a:ext uri="{FF2B5EF4-FFF2-40B4-BE49-F238E27FC236}">
-                <a16:creationId xmlns:a16="http://schemas.microsoft.com/office/drawing/2014/main" id="{FC77B11E-E14E-5D4C-A1BC-907C832C4248}"/>
+                <a16:creationId xmlns:a16="http://schemas.microsoft.com/office/drawing/2014/main" xmlns="" id="{FC77B11E-E14E-5D4C-A1BC-907C832C4248}"/>
               </a:ext>
             </a:extLst>
           </p:cNvPr>
@@ -21196,7 +21244,7 @@
           <p:cNvPr id="13314" name="Shape 199">
             <a:extLst>
               <a:ext uri="{FF2B5EF4-FFF2-40B4-BE49-F238E27FC236}">
-                <a16:creationId xmlns:a16="http://schemas.microsoft.com/office/drawing/2014/main" id="{660C1453-C7C2-E648-8043-5B0E2882EACA}"/>
+                <a16:creationId xmlns:a16="http://schemas.microsoft.com/office/drawing/2014/main" xmlns="" id="{660C1453-C7C2-E648-8043-5B0E2882EACA}"/>
               </a:ext>
             </a:extLst>
           </p:cNvPr>
@@ -21224,7 +21272,7 @@
           </a:ln>
           <a:extLst>
             <a:ext uri="{909E8E84-426E-40DD-AFC4-6F175D3DCCD1}">
-              <a14:hiddenFill xmlns:a14="http://schemas.microsoft.com/office/drawing/2010/main">
+              <a14:hiddenFill xmlns:a14="http://schemas.microsoft.com/office/drawing/2010/main" xmlns="">
                 <a:solidFill>
                   <a:srgbClr val="FFFFFF"/>
                 </a:solidFill>
@@ -21904,7 +21952,7 @@
           <p:cNvPr id="13315" name="Shape 200">
             <a:extLst>
               <a:ext uri="{FF2B5EF4-FFF2-40B4-BE49-F238E27FC236}">
-                <a16:creationId xmlns:a16="http://schemas.microsoft.com/office/drawing/2014/main" id="{D2D12EA6-535B-4342-A9BD-ED6A2B2E91C3}"/>
+                <a16:creationId xmlns:a16="http://schemas.microsoft.com/office/drawing/2014/main" xmlns="" id="{D2D12EA6-535B-4342-A9BD-ED6A2B2E91C3}"/>
               </a:ext>
             </a:extLst>
           </p:cNvPr>
@@ -21932,7 +21980,7 @@
           </a:ln>
           <a:extLst>
             <a:ext uri="{909E8E84-426E-40DD-AFC4-6F175D3DCCD1}">
-              <a14:hiddenFill xmlns:a14="http://schemas.microsoft.com/office/drawing/2010/main">
+              <a14:hiddenFill xmlns:a14="http://schemas.microsoft.com/office/drawing/2010/main" xmlns="">
                 <a:solidFill>
                   <a:srgbClr val="FFFFFF"/>
                 </a:solidFill>
@@ -22726,7 +22774,7 @@
           <p:cNvPr id="201" name="Shape 201">
             <a:extLst>
               <a:ext uri="{FF2B5EF4-FFF2-40B4-BE49-F238E27FC236}">
-                <a16:creationId xmlns:a16="http://schemas.microsoft.com/office/drawing/2014/main" id="{6AF76E05-236D-EA4E-8157-F6AA3DB17F0E}"/>
+                <a16:creationId xmlns:a16="http://schemas.microsoft.com/office/drawing/2014/main" xmlns="" id="{6AF76E05-236D-EA4E-8157-F6AA3DB17F0E}"/>
               </a:ext>
             </a:extLst>
           </p:cNvPr>
@@ -22781,7 +22829,7 @@
           <p:cNvPr id="202" name="Shape 202">
             <a:extLst>
               <a:ext uri="{FF2B5EF4-FFF2-40B4-BE49-F238E27FC236}">
-                <a16:creationId xmlns:a16="http://schemas.microsoft.com/office/drawing/2014/main" id="{A2AB431F-30BD-4E4D-B2DC-B3984DCC33FB}"/>
+                <a16:creationId xmlns:a16="http://schemas.microsoft.com/office/drawing/2014/main" xmlns="" id="{A2AB431F-30BD-4E4D-B2DC-B3984DCC33FB}"/>
               </a:ext>
             </a:extLst>
           </p:cNvPr>
@@ -22862,7 +22910,7 @@
           <p:cNvPr id="14337" name="Shape 211">
             <a:extLst>
               <a:ext uri="{FF2B5EF4-FFF2-40B4-BE49-F238E27FC236}">
-                <a16:creationId xmlns:a16="http://schemas.microsoft.com/office/drawing/2014/main" id="{201CB029-18F0-C64C-BB94-2624F1C00097}"/>
+                <a16:creationId xmlns:a16="http://schemas.microsoft.com/office/drawing/2014/main" xmlns="" id="{201CB029-18F0-C64C-BB94-2624F1C00097}"/>
               </a:ext>
             </a:extLst>
           </p:cNvPr>
@@ -22894,7 +22942,7 @@
           <p:cNvPr id="14338" name="Shape 212">
             <a:extLst>
               <a:ext uri="{FF2B5EF4-FFF2-40B4-BE49-F238E27FC236}">
-                <a16:creationId xmlns:a16="http://schemas.microsoft.com/office/drawing/2014/main" id="{F514329A-8D7B-1D43-B879-F1A122C557B2}"/>
+                <a16:creationId xmlns:a16="http://schemas.microsoft.com/office/drawing/2014/main" xmlns="" id="{F514329A-8D7B-1D43-B879-F1A122C557B2}"/>
               </a:ext>
             </a:extLst>
           </p:cNvPr>
@@ -23007,7 +23055,7 @@
           <p:cNvPr id="14339" name="Shape 213">
             <a:extLst>
               <a:ext uri="{FF2B5EF4-FFF2-40B4-BE49-F238E27FC236}">
-                <a16:creationId xmlns:a16="http://schemas.microsoft.com/office/drawing/2014/main" id="{BBAB376A-7504-DF4E-AE3A-7873863D5FF0}"/>
+                <a16:creationId xmlns:a16="http://schemas.microsoft.com/office/drawing/2014/main" xmlns="" id="{BBAB376A-7504-DF4E-AE3A-7873863D5FF0}"/>
               </a:ext>
             </a:extLst>
           </p:cNvPr>
@@ -23030,14 +23078,14 @@
           </a:ln>
           <a:extLst>
             <a:ext uri="{909E8E84-426E-40DD-AFC4-6F175D3DCCD1}">
-              <a14:hiddenFill xmlns:a14="http://schemas.microsoft.com/office/drawing/2010/main">
+              <a14:hiddenFill xmlns:a14="http://schemas.microsoft.com/office/drawing/2010/main" xmlns="">
                 <a:solidFill>
                   <a:srgbClr val="FFFFFF"/>
                 </a:solidFill>
               </a14:hiddenFill>
             </a:ext>
             <a:ext uri="{91240B29-F687-4F45-9708-019B960494DF}">
-              <a14:hiddenLine xmlns:a14="http://schemas.microsoft.com/office/drawing/2010/main" w="12700">
+              <a14:hiddenLine xmlns:a14="http://schemas.microsoft.com/office/drawing/2010/main" xmlns="" w="12700">
                 <a:solidFill>
                   <a:srgbClr val="000000"/>
                 </a:solidFill>
@@ -23285,7 +23333,7 @@
     </a:clrScheme>
     <a:fontScheme name="Office Theme">
       <a:majorFont>
-        <a:latin typeface="Calibri Light" panose="020F0302020204030204"/>
+        <a:latin typeface="Calibri Light"/>
         <a:ea typeface=""/>
         <a:cs typeface=""/>
         <a:font script="Jpan" typeface="游ゴシック Light"/>
@@ -23320,7 +23368,7 @@
         <a:font script="Geor" typeface="Sylfaen"/>
       </a:majorFont>
       <a:minorFont>
-        <a:latin typeface="Calibri" panose="020F0502020204030204"/>
+        <a:latin typeface="Calibri"/>
         <a:ea typeface=""/>
         <a:cs typeface=""/>
         <a:font script="Jpan" typeface="游ゴシック"/>
@@ -23497,7 +23545,7 @@
   <a:extraClrSchemeLst/>
   <a:extLst>
     <a:ext uri="{05A4C25C-085E-4340-85A3-A5531E510DB2}">
-      <thm15:themeFamily xmlns:thm15="http://schemas.microsoft.com/office/thememl/2012/main" name="Office Theme" id="{62F939B6-93AF-4DB8-9C6B-D6C7DFDC589F}" vid="{3E4F19A7-A959-40BB-972C-4880BAF8EB09}"/>
+      <thm15:themeFamily xmlns:thm15="http://schemas.microsoft.com/office/thememl/2012/main" xmlns="" name="Office Theme" id="{62F939B6-93AF-4DB8-9C6B-D6C7DFDC589F}" vid="{3E4F19A7-A959-40BB-972C-4880BAF8EB09}"/>
     </a:ext>
   </a:extLst>
 </a:theme>
@@ -24078,7 +24126,7 @@
   <a:extraClrSchemeLst/>
   <a:extLst>
     <a:ext uri="{05A4C25C-085E-4340-85A3-A5531E510DB2}">
-      <thm15:themeFamily xmlns:thm15="http://schemas.microsoft.com/office/thememl/2012/main" name="Office Theme" id="{62F939B6-93AF-4DB8-9C6B-D6C7DFDC589F}" vid="{4A3C46E8-61CC-4603-A589-7422A47A8E4A}"/>
+      <thm15:themeFamily xmlns:thm15="http://schemas.microsoft.com/office/thememl/2012/main" xmlns="" name="Office Theme" id="{62F939B6-93AF-4DB8-9C6B-D6C7DFDC589F}" vid="{4A3C46E8-61CC-4603-A589-7422A47A8E4A}"/>
     </a:ext>
   </a:extLst>
 </a:theme>
